--- a/results/pres_figures/EndPres.pptx
+++ b/results/pres_figures/EndPres.pptx
@@ -205,7 +205,7 @@
           <a:p>
             <a:fld id="{E503A189-614F-4E66-BC0F-E0166BB361FB}" type="datetimeFigureOut">
               <a:rPr lang="nl-NL" smtClean="0"/>
-              <a:t>7-12-2018</a:t>
+              <a:t>14-12-2018</a:t>
             </a:fld>
             <a:endParaRPr lang="nl-NL"/>
           </a:p>
@@ -885,6 +885,138 @@
     <p:extLst>
       <p:ext uri="{BB962C8B-B14F-4D97-AF65-F5344CB8AC3E}">
         <p14:creationId xmlns:p14="http://schemas.microsoft.com/office/powerpoint/2010/main" val="1955107769"/>
+      </p:ext>
+    </p:extLst>
+  </p:cSld>
+  <p:clrMapOvr>
+    <a:masterClrMapping/>
+  </p:clrMapOvr>
+</p:notes>
+</file>
+
+<file path=ppt/notesSlides/notesSlide2.xml><?xml version="1.0" encoding="utf-8"?>
+<p:notes xmlns:a="http://schemas.openxmlformats.org/drawingml/2006/main" xmlns:r="http://schemas.openxmlformats.org/officeDocument/2006/relationships" xmlns:p="http://schemas.openxmlformats.org/presentationml/2006/main">
+  <p:cSld>
+    <p:spTree>
+      <p:nvGrpSpPr>
+        <p:cNvPr id="1" name=""/>
+        <p:cNvGrpSpPr/>
+        <p:nvPr/>
+      </p:nvGrpSpPr>
+      <p:grpSpPr>
+        <a:xfrm>
+          <a:off x="0" y="0"/>
+          <a:ext cx="0" cy="0"/>
+          <a:chOff x="0" y="0"/>
+          <a:chExt cx="0" cy="0"/>
+        </a:xfrm>
+      </p:grpSpPr>
+      <p:sp>
+        <p:nvSpPr>
+          <p:cNvPr id="2" name="Slide Image Placeholder 1"/>
+          <p:cNvSpPr>
+            <a:spLocks noGrp="1" noRot="1" noChangeAspect="1"/>
+          </p:cNvSpPr>
+          <p:nvPr>
+            <p:ph type="sldImg"/>
+          </p:nvPr>
+        </p:nvSpPr>
+        <p:spPr/>
+      </p:sp>
+      <p:sp>
+        <p:nvSpPr>
+          <p:cNvPr id="3" name="Notes Placeholder 2"/>
+          <p:cNvSpPr>
+            <a:spLocks noGrp="1"/>
+          </p:cNvSpPr>
+          <p:nvPr>
+            <p:ph type="body" idx="1"/>
+          </p:nvPr>
+        </p:nvSpPr>
+        <p:spPr/>
+        <p:txBody>
+          <a:bodyPr/>
+          <a:lstStyle/>
+          <a:p>
+            <a:r>
+              <a:rPr lang="en-US" dirty="0"/>
+              <a:t>Hill climber </a:t>
+            </a:r>
+            <a:r>
+              <a:rPr lang="en-US" dirty="0" err="1"/>
+              <a:t>lijn</a:t>
+            </a:r>
+            <a:r>
+              <a:rPr lang="en-US" dirty="0"/>
+              <a:t> </a:t>
+            </a:r>
+            <a:r>
+              <a:rPr lang="en-US" dirty="0" err="1"/>
+              <a:t>omdat</a:t>
+            </a:r>
+            <a:r>
+              <a:rPr lang="en-US" dirty="0"/>
+              <a:t> de </a:t>
+            </a:r>
+            <a:r>
+              <a:rPr lang="en-US" dirty="0" err="1"/>
+              <a:t>grafiek</a:t>
+            </a:r>
+            <a:r>
+              <a:rPr lang="en-US" dirty="0"/>
+              <a:t> </a:t>
+            </a:r>
+            <a:r>
+              <a:rPr lang="en-US" dirty="0" err="1"/>
+              <a:t>anders</a:t>
+            </a:r>
+            <a:r>
+              <a:rPr lang="en-US" dirty="0"/>
+              <a:t> </a:t>
+            </a:r>
+            <a:r>
+              <a:rPr lang="en-US" dirty="0" err="1"/>
+              <a:t>onduidelijk</a:t>
+            </a:r>
+            <a:r>
+              <a:rPr lang="en-US" dirty="0"/>
+              <a:t> </a:t>
+            </a:r>
+            <a:r>
+              <a:rPr lang="en-US" dirty="0" err="1"/>
+              <a:t>wordt</a:t>
+            </a:r>
+            <a:endParaRPr lang="nl-NL" dirty="0"/>
+          </a:p>
+        </p:txBody>
+      </p:sp>
+      <p:sp>
+        <p:nvSpPr>
+          <p:cNvPr id="4" name="Slide Number Placeholder 3"/>
+          <p:cNvSpPr>
+            <a:spLocks noGrp="1"/>
+          </p:cNvSpPr>
+          <p:nvPr>
+            <p:ph type="sldNum" sz="quarter" idx="5"/>
+          </p:nvPr>
+        </p:nvSpPr>
+        <p:spPr/>
+        <p:txBody>
+          <a:bodyPr/>
+          <a:lstStyle/>
+          <a:p>
+            <a:fld id="{7E89BABF-119A-4ABA-81FB-ADE9A0136724}" type="slidenum">
+              <a:rPr lang="nl-NL" smtClean="0"/>
+              <a:t>7</a:t>
+            </a:fld>
+            <a:endParaRPr lang="nl-NL"/>
+          </a:p>
+        </p:txBody>
+      </p:sp>
+    </p:spTree>
+    <p:extLst>
+      <p:ext uri="{BB962C8B-B14F-4D97-AF65-F5344CB8AC3E}">
+        <p14:creationId xmlns:p14="http://schemas.microsoft.com/office/powerpoint/2010/main" val="3780030033"/>
       </p:ext>
     </p:extLst>
   </p:cSld>
@@ -1616,7 +1748,7 @@
           <a:p>
             <a:fld id="{54B23AA8-82A9-4536-B9F0-059096C040AC}" type="datetimeFigureOut">
               <a:rPr lang="nl-NL" smtClean="0"/>
-              <a:t>7-12-2018</a:t>
+              <a:t>14-12-2018</a:t>
             </a:fld>
             <a:endParaRPr lang="nl-NL"/>
           </a:p>
@@ -1867,7 +1999,7 @@
           <a:p>
             <a:fld id="{54B23AA8-82A9-4536-B9F0-059096C040AC}" type="datetimeFigureOut">
               <a:rPr lang="nl-NL" smtClean="0"/>
-              <a:t>7-12-2018</a:t>
+              <a:t>14-12-2018</a:t>
             </a:fld>
             <a:endParaRPr lang="nl-NL"/>
           </a:p>
@@ -2181,7 +2313,7 @@
           <a:p>
             <a:fld id="{54B23AA8-82A9-4536-B9F0-059096C040AC}" type="datetimeFigureOut">
               <a:rPr lang="nl-NL" smtClean="0"/>
-              <a:t>7-12-2018</a:t>
+              <a:t>14-12-2018</a:t>
             </a:fld>
             <a:endParaRPr lang="nl-NL"/>
           </a:p>
@@ -2522,7 +2654,7 @@
           <a:p>
             <a:fld id="{54B23AA8-82A9-4536-B9F0-059096C040AC}" type="datetimeFigureOut">
               <a:rPr lang="nl-NL" smtClean="0"/>
-              <a:t>7-12-2018</a:t>
+              <a:t>14-12-2018</a:t>
             </a:fld>
             <a:endParaRPr lang="nl-NL"/>
           </a:p>
@@ -2836,7 +2968,7 @@
           <a:p>
             <a:fld id="{54B23AA8-82A9-4536-B9F0-059096C040AC}" type="datetimeFigureOut">
               <a:rPr lang="nl-NL" smtClean="0"/>
-              <a:t>7-12-2018</a:t>
+              <a:t>14-12-2018</a:t>
             </a:fld>
             <a:endParaRPr lang="nl-NL"/>
           </a:p>
@@ -3229,7 +3361,7 @@
           <a:p>
             <a:fld id="{54B23AA8-82A9-4536-B9F0-059096C040AC}" type="datetimeFigureOut">
               <a:rPr lang="nl-NL" smtClean="0"/>
-              <a:t>7-12-2018</a:t>
+              <a:t>14-12-2018</a:t>
             </a:fld>
             <a:endParaRPr lang="nl-NL"/>
           </a:p>
@@ -3399,7 +3531,7 @@
           <a:p>
             <a:fld id="{54B23AA8-82A9-4536-B9F0-059096C040AC}" type="datetimeFigureOut">
               <a:rPr lang="nl-NL" smtClean="0"/>
-              <a:t>7-12-2018</a:t>
+              <a:t>14-12-2018</a:t>
             </a:fld>
             <a:endParaRPr lang="nl-NL"/>
           </a:p>
@@ -3579,7 +3711,7 @@
           <a:p>
             <a:fld id="{54B23AA8-82A9-4536-B9F0-059096C040AC}" type="datetimeFigureOut">
               <a:rPr lang="nl-NL" smtClean="0"/>
-              <a:t>7-12-2018</a:t>
+              <a:t>14-12-2018</a:t>
             </a:fld>
             <a:endParaRPr lang="nl-NL"/>
           </a:p>
@@ -3755,7 +3887,7 @@
           <a:p>
             <a:fld id="{54B23AA8-82A9-4536-B9F0-059096C040AC}" type="datetimeFigureOut">
               <a:rPr lang="nl-NL" smtClean="0"/>
-              <a:t>7-12-2018</a:t>
+              <a:t>14-12-2018</a:t>
             </a:fld>
             <a:endParaRPr lang="nl-NL"/>
           </a:p>
@@ -4002,7 +4134,7 @@
           <a:p>
             <a:fld id="{54B23AA8-82A9-4536-B9F0-059096C040AC}" type="datetimeFigureOut">
               <a:rPr lang="nl-NL" smtClean="0"/>
-              <a:t>7-12-2018</a:t>
+              <a:t>14-12-2018</a:t>
             </a:fld>
             <a:endParaRPr lang="nl-NL"/>
           </a:p>
@@ -4234,7 +4366,7 @@
           <a:p>
             <a:fld id="{54B23AA8-82A9-4536-B9F0-059096C040AC}" type="datetimeFigureOut">
               <a:rPr lang="nl-NL" smtClean="0"/>
-              <a:t>7-12-2018</a:t>
+              <a:t>14-12-2018</a:t>
             </a:fld>
             <a:endParaRPr lang="nl-NL"/>
           </a:p>
@@ -4608,7 +4740,7 @@
           <a:p>
             <a:fld id="{54B23AA8-82A9-4536-B9F0-059096C040AC}" type="datetimeFigureOut">
               <a:rPr lang="nl-NL" smtClean="0"/>
-              <a:t>7-12-2018</a:t>
+              <a:t>14-12-2018</a:t>
             </a:fld>
             <a:endParaRPr lang="nl-NL"/>
           </a:p>
@@ -4731,7 +4863,7 @@
           <a:p>
             <a:fld id="{54B23AA8-82A9-4536-B9F0-059096C040AC}" type="datetimeFigureOut">
               <a:rPr lang="nl-NL" smtClean="0"/>
-              <a:t>7-12-2018</a:t>
+              <a:t>14-12-2018</a:t>
             </a:fld>
             <a:endParaRPr lang="nl-NL"/>
           </a:p>
@@ -4826,7 +4958,7 @@
           <a:p>
             <a:fld id="{54B23AA8-82A9-4536-B9F0-059096C040AC}" type="datetimeFigureOut">
               <a:rPr lang="nl-NL" smtClean="0"/>
-              <a:t>7-12-2018</a:t>
+              <a:t>14-12-2018</a:t>
             </a:fld>
             <a:endParaRPr lang="nl-NL"/>
           </a:p>
@@ -5081,7 +5213,7 @@
           <a:p>
             <a:fld id="{54B23AA8-82A9-4536-B9F0-059096C040AC}" type="datetimeFigureOut">
               <a:rPr lang="nl-NL" smtClean="0"/>
-              <a:t>7-12-2018</a:t>
+              <a:t>14-12-2018</a:t>
             </a:fld>
             <a:endParaRPr lang="nl-NL"/>
           </a:p>
@@ -5344,7 +5476,7 @@
           <a:p>
             <a:fld id="{54B23AA8-82A9-4536-B9F0-059096C040AC}" type="datetimeFigureOut">
               <a:rPr lang="nl-NL" smtClean="0"/>
-              <a:t>7-12-2018</a:t>
+              <a:t>14-12-2018</a:t>
             </a:fld>
             <a:endParaRPr lang="nl-NL"/>
           </a:p>
@@ -6087,7 +6219,7 @@
           <a:p>
             <a:fld id="{54B23AA8-82A9-4536-B9F0-059096C040AC}" type="datetimeFigureOut">
               <a:rPr lang="nl-NL" smtClean="0"/>
-              <a:t>7-12-2018</a:t>
+              <a:t>14-12-2018</a:t>
             </a:fld>
             <a:endParaRPr lang="nl-NL"/>
           </a:p>
@@ -6806,7 +6938,7 @@
         <p:spPr>
           <a:xfrm>
             <a:off x="291440" y="1115391"/>
-            <a:ext cx="6403848" cy="5657959"/>
+            <a:ext cx="6403848" cy="5529719"/>
           </a:xfrm>
           <a:prstGeom prst="rect">
             <a:avLst/>
@@ -6831,6 +6963,17 @@
               <a:buChar char=""/>
             </a:pPr>
             <a:r>
+              <a:rPr lang="en-GB" dirty="0">
+                <a:solidFill>
+                  <a:schemeClr val="tx1">
+                    <a:lumMod val="75000"/>
+                    <a:lumOff val="25000"/>
+                  </a:schemeClr>
+                </a:solidFill>
+              </a:rPr>
+              <a:t>Houses and </a:t>
+            </a:r>
+            <a:r>
               <a:rPr lang="en-GB" dirty="0" err="1">
                 <a:solidFill>
                   <a:schemeClr val="tx1">
@@ -6839,29 +6982,7 @@
                   </a:schemeClr>
                 </a:solidFill>
               </a:rPr>
-              <a:t>Huizen</a:t>
-            </a:r>
-            <a:r>
-              <a:rPr lang="en-GB" dirty="0">
-                <a:solidFill>
-                  <a:schemeClr val="tx1">
-                    <a:lumMod val="75000"/>
-                    <a:lumOff val="25000"/>
-                  </a:schemeClr>
-                </a:solidFill>
-              </a:rPr>
-              <a:t> met </a:t>
-            </a:r>
-            <a:r>
-              <a:rPr lang="en-GB" dirty="0" err="1">
-                <a:solidFill>
-                  <a:schemeClr val="tx1">
-                    <a:lumMod val="75000"/>
-                    <a:lumOff val="25000"/>
-                  </a:schemeClr>
-                </a:solidFill>
-              </a:rPr>
-              <a:t>zonnepanelen</a:t>
+              <a:t>solarpannels</a:t>
             </a:r>
             <a:endParaRPr lang="en-GB" dirty="0">
               <a:solidFill>
@@ -6885,17 +7006,6 @@
               <a:buChar char=""/>
             </a:pPr>
             <a:r>
-              <a:rPr lang="en-GB" dirty="0" err="1">
-                <a:solidFill>
-                  <a:schemeClr val="tx1">
-                    <a:lumMod val="75000"/>
-                    <a:lumOff val="25000"/>
-                  </a:schemeClr>
-                </a:solidFill>
-              </a:rPr>
-              <a:t>Overmatige</a:t>
-            </a:r>
-            <a:r>
               <a:rPr lang="en-GB" dirty="0">
                 <a:solidFill>
                   <a:schemeClr val="tx1">
@@ -6904,71 +7014,8 @@
                   </a:schemeClr>
                 </a:solidFill>
               </a:rPr>
-              <a:t> </a:t>
-            </a:r>
-            <a:r>
-              <a:rPr lang="en-GB" dirty="0" err="1">
-                <a:solidFill>
-                  <a:schemeClr val="tx1">
-                    <a:lumMod val="75000"/>
-                    <a:lumOff val="25000"/>
-                  </a:schemeClr>
-                </a:solidFill>
-              </a:rPr>
-              <a:t>energie</a:t>
-            </a:r>
-            <a:r>
-              <a:rPr lang="en-GB" dirty="0">
-                <a:solidFill>
-                  <a:schemeClr val="tx1">
-                    <a:lumMod val="75000"/>
-                    <a:lumOff val="25000"/>
-                  </a:schemeClr>
-                </a:solidFill>
-              </a:rPr>
-              <a:t> </a:t>
-            </a:r>
-            <a:r>
-              <a:rPr lang="en-GB" dirty="0" err="1">
-                <a:solidFill>
-                  <a:schemeClr val="tx1">
-                    <a:lumMod val="75000"/>
-                    <a:lumOff val="25000"/>
-                  </a:schemeClr>
-                </a:solidFill>
-              </a:rPr>
-              <a:t>naar</a:t>
-            </a:r>
-            <a:r>
-              <a:rPr lang="en-GB" dirty="0">
-                <a:solidFill>
-                  <a:schemeClr val="tx1">
-                    <a:lumMod val="75000"/>
-                    <a:lumOff val="25000"/>
-                  </a:schemeClr>
-                </a:solidFill>
-              </a:rPr>
-              <a:t> </a:t>
-            </a:r>
-            <a:r>
-              <a:rPr lang="en-GB" dirty="0" err="1">
-                <a:solidFill>
-                  <a:schemeClr val="tx1">
-                    <a:lumMod val="75000"/>
-                    <a:lumOff val="25000"/>
-                  </a:schemeClr>
-                </a:solidFill>
-              </a:rPr>
-              <a:t>batterijen</a:t>
-            </a:r>
-            <a:endParaRPr lang="en-GB" dirty="0">
-              <a:solidFill>
-                <a:schemeClr val="tx1">
-                  <a:lumMod val="75000"/>
-                  <a:lumOff val="25000"/>
-                </a:schemeClr>
-              </a:solidFill>
-            </a:endParaRPr>
+              <a:t>Store the excess energy in the batteries</a:t>
+            </a:r>
           </a:p>
           <a:p>
             <a:pPr marL="285750" indent="-285750">
@@ -6991,137 +7038,8 @@
                   </a:schemeClr>
                 </a:solidFill>
               </a:rPr>
-              <a:t>Doel: zo </a:t>
-            </a:r>
-            <a:r>
-              <a:rPr lang="en-GB" dirty="0" err="1">
-                <a:solidFill>
-                  <a:schemeClr val="tx1">
-                    <a:lumMod val="75000"/>
-                    <a:lumOff val="25000"/>
-                  </a:schemeClr>
-                </a:solidFill>
-              </a:rPr>
-              <a:t>goedkoop</a:t>
-            </a:r>
-            <a:r>
-              <a:rPr lang="en-GB" dirty="0">
-                <a:solidFill>
-                  <a:schemeClr val="tx1">
-                    <a:lumMod val="75000"/>
-                    <a:lumOff val="25000"/>
-                  </a:schemeClr>
-                </a:solidFill>
-              </a:rPr>
-              <a:t> </a:t>
-            </a:r>
-            <a:r>
-              <a:rPr lang="en-GB" dirty="0" err="1">
-                <a:solidFill>
-                  <a:schemeClr val="tx1">
-                    <a:lumMod val="75000"/>
-                    <a:lumOff val="25000"/>
-                  </a:schemeClr>
-                </a:solidFill>
-              </a:rPr>
-              <a:t>mogelijk</a:t>
-            </a:r>
-            <a:r>
-              <a:rPr lang="en-GB" dirty="0">
-                <a:solidFill>
-                  <a:schemeClr val="tx1">
-                    <a:lumMod val="75000"/>
-                    <a:lumOff val="25000"/>
-                  </a:schemeClr>
-                </a:solidFill>
-              </a:rPr>
-              <a:t> </a:t>
-            </a:r>
-            <a:r>
-              <a:rPr lang="en-GB" dirty="0" err="1">
-                <a:solidFill>
-                  <a:schemeClr val="tx1">
-                    <a:lumMod val="75000"/>
-                    <a:lumOff val="25000"/>
-                  </a:schemeClr>
-                </a:solidFill>
-              </a:rPr>
-              <a:t>kabels</a:t>
-            </a:r>
-            <a:r>
-              <a:rPr lang="en-GB" dirty="0">
-                <a:solidFill>
-                  <a:schemeClr val="tx1">
-                    <a:lumMod val="75000"/>
-                    <a:lumOff val="25000"/>
-                  </a:schemeClr>
-                </a:solidFill>
-              </a:rPr>
-              <a:t> </a:t>
-            </a:r>
-            <a:r>
-              <a:rPr lang="en-GB" dirty="0" err="1">
-                <a:solidFill>
-                  <a:schemeClr val="tx1">
-                    <a:lumMod val="75000"/>
-                    <a:lumOff val="25000"/>
-                  </a:schemeClr>
-                </a:solidFill>
-              </a:rPr>
-              <a:t>en</a:t>
-            </a:r>
-            <a:r>
-              <a:rPr lang="en-GB" dirty="0">
-                <a:solidFill>
-                  <a:schemeClr val="tx1">
-                    <a:lumMod val="75000"/>
-                    <a:lumOff val="25000"/>
-                  </a:schemeClr>
-                </a:solidFill>
-              </a:rPr>
-              <a:t> </a:t>
-            </a:r>
-            <a:r>
-              <a:rPr lang="en-GB" dirty="0" err="1">
-                <a:solidFill>
-                  <a:schemeClr val="tx1">
-                    <a:lumMod val="75000"/>
-                    <a:lumOff val="25000"/>
-                  </a:schemeClr>
-                </a:solidFill>
-              </a:rPr>
-              <a:t>batterijen</a:t>
-            </a:r>
-            <a:r>
-              <a:rPr lang="en-GB" dirty="0">
-                <a:solidFill>
-                  <a:schemeClr val="tx1">
-                    <a:lumMod val="75000"/>
-                    <a:lumOff val="25000"/>
-                  </a:schemeClr>
-                </a:solidFill>
-              </a:rPr>
-              <a:t> </a:t>
-            </a:r>
-            <a:r>
-              <a:rPr lang="en-GB" dirty="0" err="1">
-                <a:solidFill>
-                  <a:schemeClr val="tx1">
-                    <a:lumMod val="75000"/>
-                    <a:lumOff val="25000"/>
-                  </a:schemeClr>
-                </a:solidFill>
-              </a:rPr>
-              <a:t>plaatsen</a:t>
-            </a:r>
-            <a:endParaRPr lang="en-GB" dirty="0">
-              <a:solidFill>
-                <a:schemeClr val="tx1">
-                  <a:lumMod val="75000"/>
-                  <a:lumOff val="25000"/>
-                </a:schemeClr>
-              </a:solidFill>
-            </a:endParaRPr>
+              <a:t>Goal: place houses and batteries in an optimal cost-efficient configuration</a:t>
+            </a:r>
           </a:p>
           <a:p>
             <a:pPr marL="285750" indent="-285750">
@@ -7157,7 +7075,7 @@
               <a:buChar char=""/>
             </a:pPr>
             <a:r>
-              <a:rPr lang="en-GB" dirty="0" err="1">
+              <a:rPr lang="en-GB" dirty="0">
                 <a:solidFill>
                   <a:schemeClr val="tx1">
                     <a:lumMod val="75000"/>
@@ -7165,16 +7083,8 @@
                   </a:schemeClr>
                 </a:solidFill>
               </a:rPr>
-              <a:t>Specificaties</a:t>
-            </a:r>
-            <a:endParaRPr lang="en-GB" dirty="0">
-              <a:solidFill>
-                <a:schemeClr val="tx1">
-                  <a:lumMod val="75000"/>
-                  <a:lumOff val="25000"/>
-                </a:schemeClr>
-              </a:solidFill>
-            </a:endParaRPr>
+              <a:t>Specifications</a:t>
+            </a:r>
           </a:p>
           <a:p>
             <a:pPr marL="742950" lvl="1" indent="-285750">
@@ -7197,49 +7107,8 @@
                   </a:schemeClr>
                 </a:solidFill>
               </a:rPr>
-              <a:t>1 huis </a:t>
-            </a:r>
-            <a:r>
-              <a:rPr lang="en-GB" dirty="0" err="1">
-                <a:solidFill>
-                  <a:schemeClr val="tx1">
-                    <a:lumMod val="75000"/>
-                    <a:lumOff val="25000"/>
-                  </a:schemeClr>
-                </a:solidFill>
-              </a:rPr>
-              <a:t>aan</a:t>
-            </a:r>
-            <a:r>
-              <a:rPr lang="en-GB" dirty="0">
-                <a:solidFill>
-                  <a:schemeClr val="tx1">
-                    <a:lumMod val="75000"/>
-                    <a:lumOff val="25000"/>
-                  </a:schemeClr>
-                </a:solidFill>
-              </a:rPr>
-              <a:t> 1 </a:t>
-            </a:r>
-            <a:r>
-              <a:rPr lang="en-GB" dirty="0" err="1">
-                <a:solidFill>
-                  <a:schemeClr val="tx1">
-                    <a:lumMod val="75000"/>
-                    <a:lumOff val="25000"/>
-                  </a:schemeClr>
-                </a:solidFill>
-              </a:rPr>
-              <a:t>batterij</a:t>
-            </a:r>
-            <a:endParaRPr lang="en-GB" dirty="0">
-              <a:solidFill>
-                <a:schemeClr val="tx1">
-                  <a:lumMod val="75000"/>
-                  <a:lumOff val="25000"/>
-                </a:schemeClr>
-              </a:solidFill>
-            </a:endParaRPr>
+              <a:t>A house is connected to only 1 battery</a:t>
+            </a:r>
           </a:p>
           <a:p>
             <a:pPr marL="742950" lvl="1" indent="-285750">
@@ -7254,17 +7123,6 @@
               <a:buChar char=""/>
             </a:pPr>
             <a:r>
-              <a:rPr lang="en-GB" dirty="0" err="1">
-                <a:solidFill>
-                  <a:schemeClr val="tx1">
-                    <a:lumMod val="75000"/>
-                    <a:lumOff val="25000"/>
-                  </a:schemeClr>
-                </a:solidFill>
-              </a:rPr>
-              <a:t>Kabels</a:t>
-            </a:r>
-            <a:r>
               <a:rPr lang="en-GB" dirty="0">
                 <a:solidFill>
                   <a:schemeClr val="tx1">
@@ -7273,183 +7131,8 @@
                   </a:schemeClr>
                 </a:solidFill>
               </a:rPr>
-              <a:t> </a:t>
-            </a:r>
-            <a:r>
-              <a:rPr lang="en-GB" dirty="0" err="1">
-                <a:solidFill>
-                  <a:schemeClr val="tx1">
-                    <a:lumMod val="75000"/>
-                    <a:lumOff val="25000"/>
-                  </a:schemeClr>
-                </a:solidFill>
-              </a:rPr>
-              <a:t>mogen</a:t>
-            </a:r>
-            <a:r>
-              <a:rPr lang="en-GB" dirty="0">
-                <a:solidFill>
-                  <a:schemeClr val="tx1">
-                    <a:lumMod val="75000"/>
-                    <a:lumOff val="25000"/>
-                  </a:schemeClr>
-                </a:solidFill>
-              </a:rPr>
-              <a:t> over </a:t>
-            </a:r>
-            <a:r>
-              <a:rPr lang="en-GB" dirty="0" err="1">
-                <a:solidFill>
-                  <a:schemeClr val="tx1">
-                    <a:lumMod val="75000"/>
-                    <a:lumOff val="25000"/>
-                  </a:schemeClr>
-                </a:solidFill>
-              </a:rPr>
-              <a:t>elkaar</a:t>
-            </a:r>
-            <a:r>
-              <a:rPr lang="en-GB" dirty="0">
-                <a:solidFill>
-                  <a:schemeClr val="tx1">
-                    <a:lumMod val="75000"/>
-                    <a:lumOff val="25000"/>
-                  </a:schemeClr>
-                </a:solidFill>
-              </a:rPr>
-              <a:t> </a:t>
-            </a:r>
-            <a:r>
-              <a:rPr lang="en-GB" dirty="0" err="1">
-                <a:solidFill>
-                  <a:schemeClr val="tx1">
-                    <a:lumMod val="75000"/>
-                    <a:lumOff val="25000"/>
-                  </a:schemeClr>
-                </a:solidFill>
-              </a:rPr>
-              <a:t>heen</a:t>
-            </a:r>
-            <a:r>
-              <a:rPr lang="en-GB" dirty="0">
-                <a:solidFill>
-                  <a:schemeClr val="tx1">
-                    <a:lumMod val="75000"/>
-                    <a:lumOff val="25000"/>
-                  </a:schemeClr>
-                </a:solidFill>
-              </a:rPr>
-              <a:t> </a:t>
-            </a:r>
-            <a:r>
-              <a:rPr lang="en-GB" dirty="0" err="1">
-                <a:solidFill>
-                  <a:schemeClr val="tx1">
-                    <a:lumMod val="75000"/>
-                    <a:lumOff val="25000"/>
-                  </a:schemeClr>
-                </a:solidFill>
-              </a:rPr>
-              <a:t>lopen</a:t>
-            </a:r>
-            <a:r>
-              <a:rPr lang="en-GB" dirty="0">
-                <a:solidFill>
-                  <a:schemeClr val="tx1">
-                    <a:lumMod val="75000"/>
-                    <a:lumOff val="25000"/>
-                  </a:schemeClr>
-                </a:solidFill>
-              </a:rPr>
-              <a:t>, </a:t>
-            </a:r>
-          </a:p>
-          <a:p>
-            <a:pPr marL="1200150" lvl="2" indent="-285750">
-              <a:spcBef>
-                <a:spcPts val="1000"/>
-              </a:spcBef>
-              <a:buClr>
-                <a:schemeClr val="accent1"/>
-              </a:buClr>
-              <a:buSzPct val="80000"/>
-              <a:buFont typeface="Wingdings 3" charset="2"/>
-              <a:buChar char=""/>
-            </a:pPr>
-            <a:r>
-              <a:rPr lang="en-GB" dirty="0">
-                <a:solidFill>
-                  <a:schemeClr val="tx1">
-                    <a:lumMod val="75000"/>
-                    <a:lumOff val="25000"/>
-                  </a:schemeClr>
-                </a:solidFill>
-              </a:rPr>
-              <a:t>maar </a:t>
-            </a:r>
-            <a:r>
-              <a:rPr lang="en-GB" dirty="0" err="1">
-                <a:solidFill>
-                  <a:schemeClr val="tx1">
-                    <a:lumMod val="75000"/>
-                    <a:lumOff val="25000"/>
-                  </a:schemeClr>
-                </a:solidFill>
-              </a:rPr>
-              <a:t>zijn</a:t>
-            </a:r>
-            <a:r>
-              <a:rPr lang="en-GB" dirty="0">
-                <a:solidFill>
-                  <a:schemeClr val="tx1">
-                    <a:lumMod val="75000"/>
-                    <a:lumOff val="25000"/>
-                  </a:schemeClr>
-                </a:solidFill>
-              </a:rPr>
-              <a:t> </a:t>
-            </a:r>
-            <a:r>
-              <a:rPr lang="en-GB" dirty="0" err="1">
-                <a:solidFill>
-                  <a:schemeClr val="tx1">
-                    <a:lumMod val="75000"/>
-                    <a:lumOff val="25000"/>
-                  </a:schemeClr>
-                </a:solidFill>
-              </a:rPr>
-              <a:t>niet</a:t>
-            </a:r>
-            <a:r>
-              <a:rPr lang="en-GB" dirty="0">
-                <a:solidFill>
-                  <a:schemeClr val="tx1">
-                    <a:lumMod val="75000"/>
-                    <a:lumOff val="25000"/>
-                  </a:schemeClr>
-                </a:solidFill>
-              </a:rPr>
-              <a:t> </a:t>
-            </a:r>
-            <a:r>
-              <a:rPr lang="en-GB" dirty="0" err="1">
-                <a:solidFill>
-                  <a:schemeClr val="tx1">
-                    <a:lumMod val="75000"/>
-                    <a:lumOff val="25000"/>
-                  </a:schemeClr>
-                </a:solidFill>
-              </a:rPr>
-              <a:t>verbonden</a:t>
-            </a:r>
-            <a:endParaRPr lang="en-GB" dirty="0">
-              <a:solidFill>
-                <a:schemeClr val="tx1">
-                  <a:lumMod val="75000"/>
-                  <a:lumOff val="25000"/>
-                </a:schemeClr>
-              </a:solidFill>
-            </a:endParaRPr>
+              <a:t>Cables can cross, but are not connected</a:t>
+            </a:r>
           </a:p>
           <a:p>
             <a:pPr marL="742950" lvl="1" indent="-285750">
@@ -7464,17 +7147,6 @@
               <a:buChar char=""/>
             </a:pPr>
             <a:r>
-              <a:rPr lang="en-GB" dirty="0" err="1">
-                <a:solidFill>
-                  <a:schemeClr val="tx1">
-                    <a:lumMod val="75000"/>
-                    <a:lumOff val="25000"/>
-                  </a:schemeClr>
-                </a:solidFill>
-              </a:rPr>
-              <a:t>Kabels</a:t>
-            </a:r>
-            <a:r>
               <a:rPr lang="en-GB" dirty="0">
                 <a:solidFill>
                   <a:schemeClr val="tx1">
@@ -7483,115 +7155,8 @@
                   </a:schemeClr>
                 </a:solidFill>
               </a:rPr>
-              <a:t> </a:t>
-            </a:r>
-            <a:r>
-              <a:rPr lang="en-GB" dirty="0" err="1">
-                <a:solidFill>
-                  <a:schemeClr val="tx1">
-                    <a:lumMod val="75000"/>
-                    <a:lumOff val="25000"/>
-                  </a:schemeClr>
-                </a:solidFill>
-              </a:rPr>
-              <a:t>mogen</a:t>
-            </a:r>
-            <a:r>
-              <a:rPr lang="en-GB" dirty="0">
-                <a:solidFill>
-                  <a:schemeClr val="tx1">
-                    <a:lumMod val="75000"/>
-                    <a:lumOff val="25000"/>
-                  </a:schemeClr>
-                </a:solidFill>
-              </a:rPr>
-              <a:t> </a:t>
-            </a:r>
-            <a:r>
-              <a:rPr lang="en-GB" dirty="0" err="1">
-                <a:solidFill>
-                  <a:schemeClr val="tx1">
-                    <a:lumMod val="75000"/>
-                    <a:lumOff val="25000"/>
-                  </a:schemeClr>
-                </a:solidFill>
-              </a:rPr>
-              <a:t>kruizen</a:t>
-            </a:r>
-            <a:r>
-              <a:rPr lang="en-GB" dirty="0">
-                <a:solidFill>
-                  <a:schemeClr val="tx1">
-                    <a:lumMod val="75000"/>
-                    <a:lumOff val="25000"/>
-                  </a:schemeClr>
-                </a:solidFill>
-              </a:rPr>
-              <a:t> </a:t>
-            </a:r>
-            <a:r>
-              <a:rPr lang="en-GB" dirty="0" err="1">
-                <a:solidFill>
-                  <a:schemeClr val="tx1">
-                    <a:lumMod val="75000"/>
-                    <a:lumOff val="25000"/>
-                  </a:schemeClr>
-                </a:solidFill>
-              </a:rPr>
-              <a:t>en</a:t>
-            </a:r>
-            <a:r>
-              <a:rPr lang="en-GB" dirty="0">
-                <a:solidFill>
-                  <a:schemeClr val="tx1">
-                    <a:lumMod val="75000"/>
-                    <a:lumOff val="25000"/>
-                  </a:schemeClr>
-                </a:solidFill>
-              </a:rPr>
-              <a:t> door </a:t>
-            </a:r>
-            <a:r>
-              <a:rPr lang="en-GB" dirty="0" err="1">
-                <a:solidFill>
-                  <a:schemeClr val="tx1">
-                    <a:lumMod val="75000"/>
-                    <a:lumOff val="25000"/>
-                  </a:schemeClr>
-                </a:solidFill>
-              </a:rPr>
-              <a:t>andere</a:t>
-            </a:r>
-            <a:r>
-              <a:rPr lang="en-GB" dirty="0">
-                <a:solidFill>
-                  <a:schemeClr val="tx1">
-                    <a:lumMod val="75000"/>
-                    <a:lumOff val="25000"/>
-                  </a:schemeClr>
-                </a:solidFill>
-              </a:rPr>
-              <a:t>  </a:t>
-            </a:r>
-            <a:r>
-              <a:rPr lang="en-GB" dirty="0" err="1">
-                <a:solidFill>
-                  <a:schemeClr val="tx1">
-                    <a:lumMod val="75000"/>
-                    <a:lumOff val="25000"/>
-                  </a:schemeClr>
-                </a:solidFill>
-              </a:rPr>
-              <a:t>huizen</a:t>
-            </a:r>
-            <a:endParaRPr lang="en-GB" dirty="0">
-              <a:solidFill>
-                <a:schemeClr val="tx1">
-                  <a:lumMod val="75000"/>
-                  <a:lumOff val="25000"/>
-                </a:schemeClr>
-              </a:solidFill>
-            </a:endParaRPr>
+              <a:t>Cables are allowed to cross houses</a:t>
+            </a:r>
           </a:p>
           <a:p>
             <a:pPr marL="285750" indent="-285750">
@@ -7606,7 +7171,7 @@
               <a:buChar char=""/>
             </a:pPr>
             <a:r>
-              <a:rPr lang="en-GB" dirty="0" err="1">
+              <a:rPr lang="en-GB" dirty="0">
                 <a:solidFill>
                   <a:schemeClr val="tx1">
                     <a:lumMod val="75000"/>
@@ -7614,16 +7179,8 @@
                   </a:schemeClr>
                 </a:solidFill>
               </a:rPr>
-              <a:t>Moeilijkheden</a:t>
-            </a:r>
-            <a:endParaRPr lang="en-GB" dirty="0">
-              <a:solidFill>
-                <a:schemeClr val="tx1">
-                  <a:lumMod val="75000"/>
-                  <a:lumOff val="25000"/>
-                </a:schemeClr>
-              </a:solidFill>
-            </a:endParaRPr>
+              <a:t>Difficulties</a:t>
+            </a:r>
           </a:p>
           <a:p>
             <a:pPr marL="742950" lvl="1" indent="-285750">
@@ -7638,17 +7195,6 @@
               <a:buChar char=""/>
             </a:pPr>
             <a:r>
-              <a:rPr lang="en-GB" dirty="0" err="1">
-                <a:solidFill>
-                  <a:schemeClr val="tx1">
-                    <a:lumMod val="75000"/>
-                    <a:lumOff val="25000"/>
-                  </a:schemeClr>
-                </a:solidFill>
-              </a:rPr>
-              <a:t>Weinig</a:t>
-            </a:r>
-            <a:r>
               <a:rPr lang="en-GB" dirty="0">
                 <a:solidFill>
                   <a:schemeClr val="tx1">
@@ -7657,49 +7203,8 @@
                   </a:schemeClr>
                 </a:solidFill>
               </a:rPr>
-              <a:t> </a:t>
-            </a:r>
-            <a:r>
-              <a:rPr lang="en-GB" dirty="0" err="1">
-                <a:solidFill>
-                  <a:schemeClr val="tx1">
-                    <a:lumMod val="75000"/>
-                    <a:lumOff val="25000"/>
-                  </a:schemeClr>
-                </a:solidFill>
-              </a:rPr>
-              <a:t>speling</a:t>
-            </a:r>
-            <a:r>
-              <a:rPr lang="en-GB" dirty="0">
-                <a:solidFill>
-                  <a:schemeClr val="tx1">
-                    <a:lumMod val="75000"/>
-                    <a:lumOff val="25000"/>
-                  </a:schemeClr>
-                </a:solidFill>
-              </a:rPr>
-              <a:t> in cap. </a:t>
-            </a:r>
-            <a:r>
-              <a:rPr lang="en-GB" dirty="0" err="1">
-                <a:solidFill>
-                  <a:schemeClr val="tx1">
-                    <a:lumMod val="75000"/>
-                    <a:lumOff val="25000"/>
-                  </a:schemeClr>
-                </a:solidFill>
-              </a:rPr>
-              <a:t>Batterijen</a:t>
-            </a:r>
-            <a:endParaRPr lang="en-GB" dirty="0">
-              <a:solidFill>
-                <a:schemeClr val="tx1">
-                  <a:lumMod val="75000"/>
-                  <a:lumOff val="25000"/>
-                </a:schemeClr>
-              </a:solidFill>
-            </a:endParaRPr>
+              <a:t>Little room between total capacity houses and batteries</a:t>
+            </a:r>
           </a:p>
           <a:p>
             <a:pPr marL="742950" lvl="1" indent="-285750">
@@ -7714,7 +7219,7 @@
               <a:buChar char=""/>
             </a:pPr>
             <a:r>
-              <a:rPr lang="en-GB" dirty="0" err="1">
+              <a:rPr lang="en-US" dirty="0">
                 <a:solidFill>
                   <a:schemeClr val="tx1">
                     <a:lumMod val="75000"/>
@@ -7722,126 +7227,8 @@
                   </a:schemeClr>
                 </a:solidFill>
               </a:rPr>
-              <a:t>Grotere</a:t>
-            </a:r>
-            <a:r>
-              <a:rPr lang="en-GB" dirty="0">
-                <a:solidFill>
-                  <a:schemeClr val="tx1">
-                    <a:lumMod val="75000"/>
-                    <a:lumOff val="25000"/>
-                  </a:schemeClr>
-                </a:solidFill>
-              </a:rPr>
-              <a:t> state space door </a:t>
-            </a:r>
-            <a:r>
-              <a:rPr lang="en-GB" dirty="0" err="1">
-                <a:solidFill>
-                  <a:schemeClr val="tx1">
-                    <a:lumMod val="75000"/>
-                    <a:lumOff val="25000"/>
-                  </a:schemeClr>
-                </a:solidFill>
-              </a:rPr>
-              <a:t>meer</a:t>
-            </a:r>
-            <a:r>
-              <a:rPr lang="en-GB" dirty="0">
-                <a:solidFill>
-                  <a:schemeClr val="tx1">
-                    <a:lumMod val="75000"/>
-                    <a:lumOff val="25000"/>
-                  </a:schemeClr>
-                </a:solidFill>
-              </a:rPr>
-              <a:t> </a:t>
-            </a:r>
-            <a:r>
-              <a:rPr lang="en-GB" dirty="0" err="1">
-                <a:solidFill>
-                  <a:schemeClr val="tx1">
-                    <a:lumMod val="75000"/>
-                    <a:lumOff val="25000"/>
-                  </a:schemeClr>
-                </a:solidFill>
-              </a:rPr>
-              <a:t>batterijen</a:t>
-            </a:r>
-            <a:r>
-              <a:rPr lang="en-GB" dirty="0">
-                <a:solidFill>
-                  <a:schemeClr val="tx1">
-                    <a:lumMod val="75000"/>
-                    <a:lumOff val="25000"/>
-                  </a:schemeClr>
-                </a:solidFill>
-              </a:rPr>
-              <a:t> </a:t>
-            </a:r>
-            <a:r>
-              <a:rPr lang="en-GB" dirty="0" err="1">
-                <a:solidFill>
-                  <a:schemeClr val="tx1">
-                    <a:lumMod val="75000"/>
-                    <a:lumOff val="25000"/>
-                  </a:schemeClr>
-                </a:solidFill>
-              </a:rPr>
-              <a:t>en</a:t>
-            </a:r>
-            <a:r>
-              <a:rPr lang="en-GB" dirty="0">
-                <a:solidFill>
-                  <a:schemeClr val="tx1">
-                    <a:lumMod val="75000"/>
-                    <a:lumOff val="25000"/>
-                  </a:schemeClr>
-                </a:solidFill>
-              </a:rPr>
-              <a:t> </a:t>
-            </a:r>
-            <a:r>
-              <a:rPr lang="en-GB" dirty="0" err="1">
-                <a:solidFill>
-                  <a:schemeClr val="tx1">
-                    <a:lumMod val="75000"/>
-                    <a:lumOff val="25000"/>
-                  </a:schemeClr>
-                </a:solidFill>
-              </a:rPr>
-              <a:t>verplaatsen</a:t>
-            </a:r>
-            <a:r>
-              <a:rPr lang="en-GB" dirty="0">
-                <a:solidFill>
-                  <a:schemeClr val="tx1">
-                    <a:lumMod val="75000"/>
-                    <a:lumOff val="25000"/>
-                  </a:schemeClr>
-                </a:solidFill>
-              </a:rPr>
-              <a:t> v. </a:t>
-            </a:r>
-            <a:r>
-              <a:rPr lang="en-GB" dirty="0" err="1">
-                <a:solidFill>
-                  <a:schemeClr val="tx1">
-                    <a:lumMod val="75000"/>
-                    <a:lumOff val="25000"/>
-                  </a:schemeClr>
-                </a:solidFill>
-              </a:rPr>
-              <a:t>batterijen</a:t>
-            </a:r>
-            <a:endParaRPr lang="en-US" dirty="0">
-              <a:solidFill>
-                <a:schemeClr val="tx1">
-                  <a:lumMod val="75000"/>
-                  <a:lumOff val="25000"/>
-                </a:schemeClr>
-              </a:solidFill>
-            </a:endParaRPr>
+              <a:t>State Space enlarges with latter half of the case</a:t>
+            </a:r>
           </a:p>
           <a:p>
             <a:pPr marL="742950" lvl="1" indent="-285750">
@@ -7911,18 +7298,9 @@
           <a:lstStyle/>
           <a:p>
             <a:r>
-              <a:rPr lang="en-GB" dirty="0" err="1"/>
-              <a:t>Alle</a:t>
-            </a:r>
-            <a:r>
               <a:rPr lang="en-GB" dirty="0"/>
-              <a:t> </a:t>
-            </a:r>
-            <a:r>
-              <a:rPr lang="en-GB" dirty="0" err="1"/>
-              <a:t>Onderdelen</a:t>
-            </a:r>
-            <a:endParaRPr lang="en-GB" dirty="0"/>
+              <a:t> Subparts Case</a:t>
+            </a:r>
           </a:p>
         </p:txBody>
       </p:sp>
@@ -7944,7 +7322,7 @@
         </p:nvSpPr>
         <p:spPr>
           <a:xfrm>
-            <a:off x="677334" y="1488613"/>
+            <a:off x="841926" y="2116667"/>
             <a:ext cx="8596668" cy="3880773"/>
           </a:xfrm>
         </p:spPr>
@@ -7956,111 +7334,27 @@
           <a:p>
             <a:r>
               <a:rPr lang="en-GB" dirty="0"/>
-              <a:t>1: </a:t>
-            </a:r>
-            <a:r>
-              <a:rPr lang="en-GB" dirty="0" err="1"/>
-              <a:t>verbind</a:t>
-            </a:r>
+              <a:t>1: Able to connect each house with a battery</a:t>
+            </a:r>
+          </a:p>
+          <a:p>
             <a:r>
               <a:rPr lang="en-GB" dirty="0"/>
-              <a:t> </a:t>
-            </a:r>
-            <a:r>
-              <a:rPr lang="en-GB" dirty="0" err="1"/>
-              <a:t>huizen</a:t>
-            </a:r>
+              <a:t>2: Able to calculate the total cost</a:t>
+            </a:r>
+          </a:p>
+          <a:p>
             <a:r>
               <a:rPr lang="en-GB" dirty="0"/>
-              <a:t> met </a:t>
-            </a:r>
-            <a:r>
-              <a:rPr lang="en-GB" dirty="0" err="1"/>
-              <a:t>batterij</a:t>
-            </a:r>
-            <a:endParaRPr lang="en-GB" dirty="0"/>
-          </a:p>
-          <a:p>
+              <a:t>3: Able to relocate the batteries</a:t>
+            </a:r>
+          </a:p>
+          <a:p>
+            <a:pPr lvl="1"/>
             <a:r>
               <a:rPr lang="en-GB" dirty="0"/>
-              <a:t>2: </a:t>
-            </a:r>
-            <a:r>
-              <a:rPr lang="en-GB" dirty="0" err="1"/>
-              <a:t>bereken</a:t>
-            </a:r>
-            <a:r>
-              <a:rPr lang="en-GB" dirty="0"/>
-              <a:t> de </a:t>
-            </a:r>
-            <a:r>
-              <a:rPr lang="en-GB" dirty="0" err="1"/>
-              <a:t>kosten</a:t>
-            </a:r>
-            <a:endParaRPr lang="en-GB" dirty="0"/>
-          </a:p>
-          <a:p>
-            <a:r>
-              <a:rPr lang="en-GB" dirty="0"/>
-              <a:t>3: </a:t>
-            </a:r>
-            <a:r>
-              <a:rPr lang="en-GB" dirty="0" err="1"/>
-              <a:t>Verplaatsen</a:t>
-            </a:r>
-            <a:r>
-              <a:rPr lang="en-GB" dirty="0"/>
-              <a:t> v. </a:t>
-            </a:r>
-            <a:r>
-              <a:rPr lang="en-GB" dirty="0" err="1"/>
-              <a:t>batterijen</a:t>
-            </a:r>
-            <a:endParaRPr lang="en-GB" dirty="0"/>
-          </a:p>
-          <a:p>
-            <a:pPr lvl="1"/>
-            <a:r>
-              <a:rPr lang="en-GB" dirty="0"/>
-              <a:t>Doel: </a:t>
-            </a:r>
-            <a:r>
-              <a:rPr lang="en-GB" dirty="0" err="1"/>
-              <a:t>batterijen</a:t>
-            </a:r>
-            <a:r>
-              <a:rPr lang="en-GB" dirty="0"/>
-              <a:t> </a:t>
-            </a:r>
-            <a:r>
-              <a:rPr lang="en-GB" dirty="0" err="1"/>
-              <a:t>kunnen</a:t>
-            </a:r>
-            <a:r>
-              <a:rPr lang="en-GB" dirty="0"/>
-              <a:t> </a:t>
-            </a:r>
-            <a:r>
-              <a:rPr lang="en-GB" dirty="0" err="1"/>
-              <a:t>verplaatsten</a:t>
-            </a:r>
-            <a:r>
-              <a:rPr lang="en-GB" dirty="0"/>
-              <a:t> </a:t>
-            </a:r>
-            <a:r>
-              <a:rPr lang="en-GB" dirty="0" err="1"/>
-              <a:t>voor</a:t>
-            </a:r>
-            <a:r>
-              <a:rPr lang="en-GB" dirty="0"/>
-              <a:t> minder </a:t>
-            </a:r>
-            <a:r>
-              <a:rPr lang="en-GB" dirty="0" err="1"/>
-              <a:t>kosten</a:t>
-            </a:r>
-            <a:endParaRPr lang="en-GB" dirty="0"/>
+              <a:t>At more cost-efficient locations</a:t>
+            </a:r>
           </a:p>
           <a:p>
             <a:r>
@@ -10323,7 +9617,7 @@
           <p:nvPr/>
         </p:nvPicPr>
         <p:blipFill rotWithShape="1">
-          <a:blip r:embed="rId2">
+          <a:blip r:embed="rId3">
             <a:extLst>
               <a:ext uri="{28A0092B-C50C-407E-A947-70E740481C1C}">
                 <a14:useLocalDpi xmlns:a14="http://schemas.microsoft.com/office/drawing/2010/main" val="0"/>

--- a/results/pres_figures/EndPres.pptx
+++ b/results/pres_figures/EndPres.pptx
@@ -6982,7 +6982,7 @@
                   </a:schemeClr>
                 </a:solidFill>
               </a:rPr>
-              <a:t>solarpannels</a:t>
+              <a:t>Solarpanels</a:t>
             </a:r>
             <a:endParaRPr lang="en-GB" dirty="0">
               <a:solidFill>
@@ -7014,7 +7014,7 @@
                   </a:schemeClr>
                 </a:solidFill>
               </a:rPr>
-              <a:t>Store the excess energy in the batteries</a:t>
+              <a:t>Store the excess energy in batteries</a:t>
             </a:r>
           </a:p>
           <a:p>
@@ -7322,7 +7322,7 @@
         </p:nvSpPr>
         <p:spPr>
           <a:xfrm>
-            <a:off x="841926" y="2116667"/>
+            <a:off x="677334" y="1651154"/>
             <a:ext cx="8596668" cy="3880773"/>
           </a:xfrm>
         </p:spPr>
@@ -7338,12 +7338,22 @@
             </a:r>
           </a:p>
           <a:p>
+            <a:pPr lvl="1"/>
+            <a:r>
+              <a:rPr lang="en-GB" dirty="0"/>
+              <a:t>Same batteries, fixed locations</a:t>
+            </a:r>
+          </a:p>
+          <a:p>
             <a:r>
               <a:rPr lang="en-GB" dirty="0"/>
               <a:t>2: Able to calculate the total cost</a:t>
             </a:r>
           </a:p>
           <a:p>
+            <a:endParaRPr lang="en-GB" dirty="0"/>
+          </a:p>
+          <a:p>
             <a:r>
               <a:rPr lang="en-GB" dirty="0"/>
               <a:t>3: Able to relocate the batteries</a:t>
@@ -7359,125 +7369,15 @@
           <a:p>
             <a:r>
               <a:rPr lang="en-GB" dirty="0"/>
-              <a:t>4: </a:t>
-            </a:r>
-            <a:r>
-              <a:rPr lang="en-GB" dirty="0" err="1"/>
-              <a:t>Optimaliseer</a:t>
-            </a:r>
+              <a:t>4: Optimize battery types</a:t>
+            </a:r>
+          </a:p>
+          <a:p>
+            <a:pPr lvl="1"/>
             <a:r>
               <a:rPr lang="en-GB" dirty="0"/>
-              <a:t> met </a:t>
-            </a:r>
-            <a:r>
-              <a:rPr lang="en-GB" dirty="0" err="1"/>
-              <a:t>verschillende</a:t>
-            </a:r>
-            <a:r>
-              <a:rPr lang="en-GB" dirty="0"/>
-              <a:t> </a:t>
-            </a:r>
-            <a:r>
-              <a:rPr lang="en-GB" dirty="0" err="1"/>
-              <a:t>soorten</a:t>
-            </a:r>
-            <a:r>
-              <a:rPr lang="en-GB" dirty="0"/>
-              <a:t> </a:t>
-            </a:r>
-            <a:r>
-              <a:rPr lang="en-GB" dirty="0" err="1"/>
-              <a:t>batterijen</a:t>
-            </a:r>
-            <a:endParaRPr lang="en-GB" dirty="0"/>
-          </a:p>
-          <a:p>
-            <a:pPr lvl="1"/>
-            <a:r>
-              <a:rPr lang="en-GB" dirty="0"/>
-              <a:t>Doel: </a:t>
-            </a:r>
-            <a:r>
-              <a:rPr lang="en-GB" dirty="0" err="1"/>
-              <a:t>selectie</a:t>
-            </a:r>
-            <a:r>
-              <a:rPr lang="en-GB" dirty="0"/>
-              <a:t> van </a:t>
-            </a:r>
-            <a:r>
-              <a:rPr lang="en-GB" dirty="0" err="1"/>
-              <a:t>batterijen</a:t>
-            </a:r>
-            <a:r>
-              <a:rPr lang="en-GB" dirty="0"/>
-              <a:t> </a:t>
-            </a:r>
-            <a:r>
-              <a:rPr lang="en-GB" dirty="0" err="1"/>
-              <a:t>tegenover</a:t>
-            </a:r>
-            <a:r>
-              <a:rPr lang="en-GB" dirty="0"/>
-              <a:t> </a:t>
-            </a:r>
-            <a:r>
-              <a:rPr lang="en-GB" dirty="0" err="1"/>
-              <a:t>kabellengte</a:t>
-            </a:r>
-            <a:endParaRPr lang="en-GB" dirty="0"/>
-          </a:p>
-          <a:p>
-            <a:pPr lvl="2"/>
-            <a:r>
-              <a:rPr lang="en-GB" dirty="0"/>
-              <a:t>3 </a:t>
-            </a:r>
-            <a:r>
-              <a:rPr lang="en-GB" dirty="0" err="1"/>
-              <a:t>soorten</a:t>
-            </a:r>
-            <a:r>
-              <a:rPr lang="en-GB" dirty="0"/>
-              <a:t> </a:t>
-            </a:r>
-            <a:r>
-              <a:rPr lang="en-GB" dirty="0" err="1"/>
-              <a:t>batterijen</a:t>
-            </a:r>
-            <a:r>
-              <a:rPr lang="en-GB" dirty="0"/>
-              <a:t> met </a:t>
-            </a:r>
-            <a:r>
-              <a:rPr lang="en-GB" dirty="0" err="1"/>
-              <a:t>verschillende</a:t>
-            </a:r>
-            <a:r>
-              <a:rPr lang="en-GB" dirty="0"/>
-              <a:t> </a:t>
-            </a:r>
-            <a:r>
-              <a:rPr lang="en-GB" dirty="0" err="1"/>
-              <a:t>kosten</a:t>
-            </a:r>
-            <a:r>
-              <a:rPr lang="en-GB" dirty="0"/>
-              <a:t> </a:t>
-            </a:r>
-            <a:r>
-              <a:rPr lang="en-GB" dirty="0" err="1"/>
-              <a:t>en</a:t>
-            </a:r>
-            <a:r>
-              <a:rPr lang="en-GB" dirty="0"/>
-              <a:t> </a:t>
-            </a:r>
-            <a:r>
-              <a:rPr lang="en-GB" dirty="0" err="1"/>
-              <a:t>capaciteiten</a:t>
-            </a:r>
-            <a:endParaRPr lang="en-GB" dirty="0"/>
+              <a:t>With given battery types</a:t>
+            </a:r>
           </a:p>
           <a:p>
             <a:pPr lvl="1"/>
@@ -7512,19 +7412,75 @@
         </p:nvPicPr>
         <p:blipFill rotWithShape="1">
           <a:blip r:embed="rId3"/>
-          <a:srcRect l="12938" t="64555" r="75125" b="23445"/>
+          <a:srcRect l="12937" t="64555" r="75363" b="23445"/>
           <a:stretch/>
         </p:blipFill>
         <p:spPr>
           <a:xfrm>
-            <a:off x="8162861" y="2116667"/>
-            <a:ext cx="3351806" cy="1895262"/>
+            <a:off x="8013384" y="2535100"/>
+            <a:ext cx="3285151" cy="1895262"/>
           </a:xfrm>
           <a:prstGeom prst="rect">
             <a:avLst/>
           </a:prstGeom>
         </p:spPr>
       </p:pic>
+      <p:sp>
+        <p:nvSpPr>
+          <p:cNvPr id="5" name="TextBox 4">
+            <a:extLst>
+              <a:ext uri="{FF2B5EF4-FFF2-40B4-BE49-F238E27FC236}">
+                <a16:creationId xmlns:a16="http://schemas.microsoft.com/office/drawing/2014/main" id="{6F419814-B6B4-492D-A0A2-FF4B220CEAB5}"/>
+              </a:ext>
+            </a:extLst>
+          </p:cNvPr>
+          <p:cNvSpPr txBox="1"/>
+          <p:nvPr/>
+        </p:nvSpPr>
+        <p:spPr>
+          <a:xfrm>
+            <a:off x="7871990" y="4368210"/>
+            <a:ext cx="3567937" cy="408623"/>
+          </a:xfrm>
+          <a:prstGeom prst="roundRect">
+            <a:avLst/>
+          </a:prstGeom>
+          <a:solidFill>
+            <a:schemeClr val="accent1">
+              <a:lumMod val="40000"/>
+              <a:lumOff val="60000"/>
+            </a:schemeClr>
+          </a:solidFill>
+        </p:spPr>
+        <p:style>
+          <a:lnRef idx="2">
+            <a:schemeClr val="accent1"/>
+          </a:lnRef>
+          <a:fillRef idx="1">
+            <a:schemeClr val="lt1"/>
+          </a:fillRef>
+          <a:effectRef idx="0">
+            <a:schemeClr val="accent1"/>
+          </a:effectRef>
+          <a:fontRef idx="minor">
+            <a:schemeClr val="dk1"/>
+          </a:fontRef>
+        </p:style>
+        <p:txBody>
+          <a:bodyPr wrap="square" rtlCol="0">
+            <a:spAutoFit/>
+          </a:bodyPr>
+          <a:lstStyle/>
+          <a:p>
+            <a:pPr algn="ctr"/>
+            <a:r>
+              <a:rPr lang="en-US" dirty="0"/>
+              <a:t>Given battery types (subpart 4)</a:t>
+            </a:r>
+            <a:endParaRPr lang="nl-NL" dirty="0"/>
+          </a:p>
+        </p:txBody>
+      </p:sp>
     </p:spTree>
     <p:extLst>
       <p:ext uri="{BB962C8B-B14F-4D97-AF65-F5344CB8AC3E}">

--- a/results/pres_figures/EndPres.pptx
+++ b/results/pres_figures/EndPres.pptx
@@ -7299,7 +7299,7 @@
           <a:p>
             <a:r>
               <a:rPr lang="en-GB" dirty="0"/>
-              <a:t> Subparts Case</a:t>
+              <a:t> Parts of Case</a:t>
             </a:r>
           </a:p>
         </p:txBody>
@@ -7475,7 +7475,7 @@
             <a:pPr algn="ctr"/>
             <a:r>
               <a:rPr lang="en-US" dirty="0"/>
-              <a:t>Given battery types (subpart 4)</a:t>
+              <a:t>Given battery types (part 4)</a:t>
             </a:r>
             <a:endParaRPr lang="nl-NL" dirty="0"/>
           </a:p>
@@ -7562,20 +7562,8 @@
           <a:lstStyle/>
           <a:p>
             <a:r>
-              <a:rPr lang="en-US" dirty="0" err="1"/>
-              <a:t>Deel</a:t>
-            </a:r>
-            <a:r>
               <a:rPr lang="en-US" dirty="0"/>
-              <a:t> 1 </a:t>
-            </a:r>
-            <a:r>
-              <a:rPr lang="en-US" dirty="0" err="1"/>
-              <a:t>en</a:t>
-            </a:r>
-            <a:r>
-              <a:rPr lang="en-US" dirty="0"/>
-              <a:t> 2</a:t>
+              <a:t>Subpart 1 &amp; 2</a:t>
             </a:r>
           </a:p>
           <a:p>
@@ -7592,13 +7580,8 @@
           <a:p>
             <a:r>
               <a:rPr lang="en-US" dirty="0"/>
-              <a:t>D</a:t>
-            </a:r>
-            <a:r>
-              <a:rPr lang="nl-NL" dirty="0"/>
-              <a:t>eel 3 en 4</a:t>
-            </a:r>
-            <a:endParaRPr lang="en-US" dirty="0"/>
+              <a:t>Subpart 3</a:t>
+            </a:r>
           </a:p>
           <a:p>
             <a:pPr lvl="1"/>
@@ -7650,6 +7633,20 @@
               <a:rPr lang="nl-NL" dirty="0"/>
               <a:t>ax state space =  2500^17 + 150^17</a:t>
             </a:r>
+          </a:p>
+          <a:p>
+            <a:r>
+              <a:rPr lang="en-US" dirty="0"/>
+              <a:t>S</a:t>
+            </a:r>
+            <a:r>
+              <a:rPr lang="nl-NL" dirty="0"/>
+              <a:t>ubpart 4</a:t>
+            </a:r>
+          </a:p>
+          <a:p>
+            <a:pPr lvl="1"/>
+            <a:endParaRPr lang="nl-NL" dirty="0"/>
           </a:p>
         </p:txBody>
       </p:sp>

--- a/results/pres_figures/EndPres.pptx
+++ b/results/pres_figures/EndPres.pptx
@@ -12,8 +12,8 @@
     <p:sldId id="258" r:id="rId3"/>
     <p:sldId id="259" r:id="rId4"/>
     <p:sldId id="271" r:id="rId5"/>
-    <p:sldId id="260" r:id="rId6"/>
-    <p:sldId id="264" r:id="rId7"/>
+    <p:sldId id="272" r:id="rId6"/>
+    <p:sldId id="273" r:id="rId7"/>
     <p:sldId id="270" r:id="rId8"/>
     <p:sldId id="268" r:id="rId9"/>
     <p:sldId id="269" r:id="rId10"/>
@@ -7624,7 +7624,24 @@
             </a:r>
           </a:p>
           <a:p>
-            <a:pPr lvl="2"/>
+            <a:r>
+              <a:rPr lang="en-US" dirty="0"/>
+              <a:t>S</a:t>
+            </a:r>
+            <a:r>
+              <a:rPr lang="nl-NL" dirty="0"/>
+              <a:t>ubpart 4</a:t>
+            </a:r>
+          </a:p>
+          <a:p>
+            <a:pPr lvl="1"/>
+            <a:r>
+              <a:rPr lang="en-US" dirty="0"/>
+              <a:t>Largest battery set: 17 batteries</a:t>
+            </a:r>
+          </a:p>
+          <a:p>
+            <a:pPr lvl="1"/>
             <a:r>
               <a:rPr lang="en-US" dirty="0"/>
               <a:t>M</a:t>
@@ -7635,14 +7652,8 @@
             </a:r>
           </a:p>
           <a:p>
-            <a:r>
-              <a:rPr lang="en-US" dirty="0"/>
-              <a:t>S</a:t>
-            </a:r>
-            <a:r>
-              <a:rPr lang="nl-NL" dirty="0"/>
-              <a:t>ubpart 4</a:t>
-            </a:r>
+            <a:pPr lvl="1"/>
+            <a:endParaRPr lang="nl-NL" dirty="0"/>
           </a:p>
           <a:p>
             <a:pPr lvl="1"/>
@@ -7685,7 +7696,7 @@
           <p:cNvPr id="2" name="Title 1">
             <a:extLst>
               <a:ext uri="{FF2B5EF4-FFF2-40B4-BE49-F238E27FC236}">
-                <a16:creationId xmlns:a16="http://schemas.microsoft.com/office/drawing/2014/main" id="{F9EF28C1-9D3F-4A59-B662-8F5CAF6F7E8C}"/>
+                <a16:creationId xmlns:a16="http://schemas.microsoft.com/office/drawing/2014/main" id="{5F416FC0-ED03-447E-8639-D84D85C4888E}"/>
               </a:ext>
             </a:extLst>
           </p:cNvPr>
@@ -7696,19 +7707,14 @@
             <p:ph type="title"/>
           </p:nvPr>
         </p:nvSpPr>
-        <p:spPr>
-          <a:xfrm>
-            <a:off x="838200" y="457888"/>
-            <a:ext cx="10515600" cy="1325563"/>
-          </a:xfrm>
-        </p:spPr>
+        <p:spPr/>
         <p:txBody>
           <a:bodyPr/>
           <a:lstStyle/>
           <a:p>
             <a:r>
               <a:rPr lang="en-US" dirty="0"/>
-              <a:t>Status Quo</a:t>
+              <a:t>Algorithms</a:t>
             </a:r>
             <a:endParaRPr lang="nl-NL" dirty="0"/>
           </a:p>
@@ -7719,7 +7725,7 @@
           <p:cNvPr id="3" name="Content Placeholder 2">
             <a:extLst>
               <a:ext uri="{FF2B5EF4-FFF2-40B4-BE49-F238E27FC236}">
-                <a16:creationId xmlns:a16="http://schemas.microsoft.com/office/drawing/2014/main" id="{36EFCC35-47A1-4DAB-84A5-F880093AD522}"/>
+                <a16:creationId xmlns:a16="http://schemas.microsoft.com/office/drawing/2014/main" id="{4E0D129F-485C-4780-83ED-29020FA0E9B2}"/>
               </a:ext>
             </a:extLst>
           </p:cNvPr>
@@ -7730,157 +7736,84 @@
             <p:ph idx="1"/>
           </p:nvPr>
         </p:nvSpPr>
-        <p:spPr>
-          <a:xfrm>
-            <a:off x="616382" y="1783451"/>
-            <a:ext cx="8596668" cy="3880773"/>
-          </a:xfrm>
-        </p:spPr>
+        <p:spPr/>
         <p:txBody>
           <a:bodyPr>
-            <a:normAutofit lnSpcReduction="10000"/>
+            <a:normAutofit/>
           </a:bodyPr>
           <a:lstStyle/>
           <a:p>
             <a:r>
-              <a:rPr lang="en-US" dirty="0" err="1"/>
-              <a:t>Compleet</a:t>
-            </a:r>
-            <a:endParaRPr lang="en-US" dirty="0"/>
+              <a:rPr lang="en-US" dirty="0"/>
+              <a:t>Step-Down</a:t>
+            </a:r>
           </a:p>
           <a:p>
             <a:pPr lvl="1"/>
             <a:r>
               <a:rPr lang="en-US" dirty="0"/>
-              <a:t>Greedy Algorithm</a:t>
+              <a:t>Connects all houses to closest batteries</a:t>
             </a:r>
           </a:p>
           <a:p>
             <a:pPr lvl="1"/>
             <a:r>
               <a:rPr lang="en-US" dirty="0"/>
-              <a:t>Hillclimber</a:t>
+              <a:t>Reconnects houses of overloaded batteries</a:t>
             </a:r>
           </a:p>
           <a:p>
             <a:pPr lvl="1"/>
             <a:r>
-              <a:rPr lang="en-US" dirty="0" err="1"/>
-              <a:t>Onderdeel</a:t>
-            </a:r>
-            <a:r>
               <a:rPr lang="en-US" dirty="0"/>
-              <a:t> 1, 2, 3, 4</a:t>
-            </a:r>
-            <a:r>
-              <a:rPr lang="en-US" baseline="-25000" dirty="0"/>
-              <a:t>(</a:t>
-            </a:r>
-            <a:r>
-              <a:rPr lang="en-US" baseline="-25000" dirty="0" err="1"/>
-              <a:t>ruwe</a:t>
-            </a:r>
-            <a:r>
-              <a:rPr lang="en-US" baseline="-25000" dirty="0"/>
-              <a:t> </a:t>
-            </a:r>
-            <a:r>
-              <a:rPr lang="en-US" baseline="-25000" dirty="0" err="1"/>
-              <a:t>versie</a:t>
-            </a:r>
-            <a:r>
-              <a:rPr lang="en-US" baseline="-25000" dirty="0"/>
-              <a:t>)</a:t>
-            </a:r>
+              <a:t>Deterministic</a:t>
+            </a:r>
+          </a:p>
+          <a:p>
             <a:r>
               <a:rPr lang="en-US" dirty="0"/>
-              <a:t> </a:t>
+              <a:t>Greedy</a:t>
             </a:r>
           </a:p>
           <a:p>
             <a:pPr lvl="1"/>
             <a:r>
               <a:rPr lang="en-US" dirty="0"/>
-              <a:t>Clusters </a:t>
-            </a:r>
-            <a:r>
-              <a:rPr lang="en-US" dirty="0" err="1"/>
-              <a:t>Berekenen</a:t>
-            </a:r>
-            <a:endParaRPr lang="en-US" dirty="0"/>
+              <a:t>Connect random houses to closest battery</a:t>
+            </a:r>
+          </a:p>
+          <a:p>
+            <a:pPr lvl="1"/>
+            <a:r>
+              <a:rPr lang="en-US" dirty="0"/>
+              <a:t>If battery is full, next closest</a:t>
+            </a:r>
+          </a:p>
+          <a:p>
+            <a:pPr lvl="1"/>
+            <a:r>
+              <a:rPr lang="en-US" dirty="0"/>
+              <a:t>If configuration possible, next iteration</a:t>
+            </a:r>
           </a:p>
           <a:p>
             <a:pPr lvl="2"/>
             <a:r>
-              <a:rPr lang="en-US" dirty="0" err="1"/>
-              <a:t>DBscan</a:t>
-            </a:r>
-            <a:endParaRPr lang="en-US" dirty="0"/>
-          </a:p>
-          <a:p>
-            <a:r>
               <a:rPr lang="en-US" dirty="0"/>
-              <a:t>In Progress</a:t>
-            </a:r>
-          </a:p>
-          <a:p>
-            <a:pPr lvl="1"/>
-            <a:r>
-              <a:rPr lang="en-US" dirty="0"/>
-              <a:t>Clustering </a:t>
-            </a:r>
-            <a:r>
-              <a:rPr lang="en-US" dirty="0" err="1"/>
-              <a:t>verfijnen</a:t>
-            </a:r>
-            <a:endParaRPr lang="en-US" dirty="0"/>
-          </a:p>
-          <a:p>
-            <a:pPr lvl="2"/>
-            <a:r>
-              <a:rPr lang="en-US" dirty="0" err="1"/>
-              <a:t>Formule</a:t>
-            </a:r>
-            <a:r>
-              <a:rPr lang="en-US" dirty="0"/>
-              <a:t> </a:t>
-            </a:r>
-            <a:r>
-              <a:rPr lang="en-US" dirty="0" err="1"/>
-              <a:t>creeeren</a:t>
-            </a:r>
-            <a:endParaRPr lang="en-US" dirty="0"/>
-          </a:p>
-          <a:p>
-            <a:pPr lvl="1"/>
-            <a:r>
-              <a:rPr lang="en-US" dirty="0"/>
-              <a:t>Hill Climber </a:t>
-            </a:r>
-            <a:r>
-              <a:rPr lang="en-US" dirty="0" err="1"/>
-              <a:t>batterijen</a:t>
-            </a:r>
-            <a:endParaRPr lang="en-US" dirty="0"/>
-          </a:p>
-          <a:p>
-            <a:pPr lvl="1"/>
-            <a:r>
-              <a:rPr lang="en-US" dirty="0"/>
-              <a:t>Depth first</a:t>
-            </a:r>
-          </a:p>
-          <a:p>
-            <a:endParaRPr lang="en-US" dirty="0"/>
+              <a:t>Else, restart iteration</a:t>
+            </a:r>
+          </a:p>
+          <a:p>
+            <a:endParaRPr lang="nl-NL" dirty="0"/>
           </a:p>
         </p:txBody>
       </p:sp>
       <p:pic>
         <p:nvPicPr>
-          <p:cNvPr id="7" name="Picture 6">
+          <p:cNvPr id="4" name="Picture 3">
             <a:extLst>
               <a:ext uri="{FF2B5EF4-FFF2-40B4-BE49-F238E27FC236}">
-                <a16:creationId xmlns:a16="http://schemas.microsoft.com/office/drawing/2014/main" id="{BB477CFA-0B0E-46F0-B7E6-1B957148D724}"/>
+                <a16:creationId xmlns:a16="http://schemas.microsoft.com/office/drawing/2014/main" id="{76EE88C6-D840-49C2-BC5E-43178530D1DC}"/>
               </a:ext>
             </a:extLst>
           </p:cNvPr>
@@ -7890,100 +7823,37 @@
           <p:nvPr/>
         </p:nvPicPr>
         <p:blipFill rotWithShape="1">
-          <a:blip r:embed="rId2"/>
-          <a:srcRect l="12855" t="12017" r="10179" b="12539"/>
-          <a:stretch/>
-        </p:blipFill>
-        <p:spPr>
-          <a:xfrm>
-            <a:off x="7213929" y="3429000"/>
-            <a:ext cx="3363067" cy="2451784"/>
-          </a:xfrm>
-          <a:prstGeom prst="rect">
-            <a:avLst/>
-          </a:prstGeom>
-        </p:spPr>
-      </p:pic>
-      <p:pic>
-        <p:nvPicPr>
-          <p:cNvPr id="12" name="Picture 11">
-            <a:extLst>
-              <a:ext uri="{FF2B5EF4-FFF2-40B4-BE49-F238E27FC236}">
-                <a16:creationId xmlns:a16="http://schemas.microsoft.com/office/drawing/2014/main" id="{C566016A-9253-4029-9AE3-A9D1FD33C6EC}"/>
-              </a:ext>
-            </a:extLst>
-          </p:cNvPr>
-          <p:cNvPicPr>
-            <a:picLocks noChangeAspect="1"/>
-          </p:cNvPicPr>
-          <p:nvPr/>
-        </p:nvPicPr>
-        <p:blipFill rotWithShape="1">
-          <a:blip r:embed="rId3"/>
-          <a:srcRect l="12407" t="10182" r="64538" b="10925"/>
-          <a:stretch/>
-        </p:blipFill>
-        <p:spPr>
-          <a:xfrm>
-            <a:off x="8856462" y="921248"/>
-            <a:ext cx="2878667" cy="2184573"/>
-          </a:xfrm>
-          <a:prstGeom prst="rect">
-            <a:avLst/>
-          </a:prstGeom>
-        </p:spPr>
-      </p:pic>
-      <p:pic>
-        <p:nvPicPr>
-          <p:cNvPr id="2054" name="Picture 6" descr="http://heuristieken.nl/wiki/images/b/b0/Wijk3.png">
-            <a:extLst>
-              <a:ext uri="{FF2B5EF4-FFF2-40B4-BE49-F238E27FC236}">
-                <a16:creationId xmlns:a16="http://schemas.microsoft.com/office/drawing/2014/main" id="{2289A401-9C91-46F9-BDB7-5B962A9CFB68}"/>
-              </a:ext>
-            </a:extLst>
-          </p:cNvPr>
-          <p:cNvPicPr>
-            <a:picLocks noChangeAspect="1" noChangeArrowheads="1"/>
-          </p:cNvPicPr>
-          <p:nvPr/>
-        </p:nvPicPr>
-        <p:blipFill rotWithShape="1">
-          <a:blip r:embed="rId4">
+          <a:blip r:embed="rId2">
             <a:extLst>
               <a:ext uri="{28A0092B-C50C-407E-A947-70E740481C1C}">
                 <a14:useLocalDpi xmlns:a14="http://schemas.microsoft.com/office/drawing/2010/main" val="0"/>
               </a:ext>
             </a:extLst>
           </a:blip>
-          <a:srcRect l="13148" t="11544" r="10926" b="10679"/>
+          <a:srcRect l="14121" t="13614" r="11045" b="12384"/>
           <a:stretch/>
         </p:blipFill>
-        <p:spPr bwMode="auto">
+        <p:spPr>
           <a:xfrm>
-            <a:off x="5777417" y="977216"/>
-            <a:ext cx="2697716" cy="2072635"/>
+            <a:off x="8741596" y="609600"/>
+            <a:ext cx="3273641" cy="2427896"/>
           </a:xfrm>
           <a:prstGeom prst="rect">
             <a:avLst/>
           </a:prstGeom>
-          <a:noFill/>
-          <a:extLst>
-            <a:ext uri="{909E8E84-426E-40DD-AFC4-6F175D3DCCD1}">
-              <a14:hiddenFill xmlns:a14="http://schemas.microsoft.com/office/drawing/2010/main">
-                <a:solidFill>
-                  <a:srgbClr val="FFFFFF"/>
-                </a:solidFill>
-              </a14:hiddenFill>
-            </a:ext>
-          </a:extLst>
+          <a:ln>
+            <a:solidFill>
+              <a:schemeClr val="tx1"/>
+            </a:solidFill>
+          </a:ln>
         </p:spPr>
       </p:pic>
       <p:sp>
         <p:nvSpPr>
-          <p:cNvPr id="15" name="TextBox 14">
+          <p:cNvPr id="5" name="TextBox 4">
             <a:extLst>
               <a:ext uri="{FF2B5EF4-FFF2-40B4-BE49-F238E27FC236}">
-                <a16:creationId xmlns:a16="http://schemas.microsoft.com/office/drawing/2014/main" id="{86216798-CA18-4C1B-AF45-7715D85BE2CE}"/>
+                <a16:creationId xmlns:a16="http://schemas.microsoft.com/office/drawing/2014/main" id="{29DDF469-23A9-4026-8322-2EC9737D143C}"/>
               </a:ext>
             </a:extLst>
           </p:cNvPr>
@@ -7992,8 +7862,8 @@
         </p:nvSpPr>
         <p:spPr>
           <a:xfrm>
-            <a:off x="9355508" y="580729"/>
-            <a:ext cx="1880574" cy="340519"/>
+            <a:off x="7661910" y="609600"/>
+            <a:ext cx="980850" cy="306467"/>
           </a:xfrm>
           <a:prstGeom prst="roundRect">
             <a:avLst/>
@@ -8013,41 +7883,99 @@
           <a:p>
             <a:pPr algn="ctr"/>
             <a:r>
-              <a:rPr lang="en-US" sz="1400" dirty="0"/>
-              <a:t>(</a:t>
-            </a:r>
-            <a:r>
-              <a:rPr lang="en-US" sz="1400" dirty="0" err="1"/>
-              <a:t>Niet</a:t>
-            </a:r>
-            <a:r>
-              <a:rPr lang="en-US" sz="1400" dirty="0"/>
-              <a:t> </a:t>
-            </a:r>
-            <a:r>
-              <a:rPr lang="en-US" sz="1400" dirty="0" err="1"/>
-              <a:t>dezelfde</a:t>
-            </a:r>
-            <a:r>
-              <a:rPr lang="en-US" sz="1400" dirty="0"/>
-              <a:t> </a:t>
-            </a:r>
-            <a:r>
-              <a:rPr lang="en-US" sz="1400" dirty="0" err="1"/>
-              <a:t>wijk</a:t>
-            </a:r>
-            <a:r>
-              <a:rPr lang="en-US" sz="1400" dirty="0"/>
-              <a:t>)</a:t>
-            </a:r>
-            <a:endParaRPr lang="nl-NL" dirty="0"/>
+              <a:rPr lang="en-US" sz="1200" dirty="0"/>
+              <a:t>Step-Down</a:t>
+            </a:r>
+            <a:endParaRPr lang="nl-NL" sz="1200" dirty="0"/>
+          </a:p>
+        </p:txBody>
+      </p:sp>
+      <p:pic>
+        <p:nvPicPr>
+          <p:cNvPr id="6" name="Picture 5">
+            <a:extLst>
+              <a:ext uri="{FF2B5EF4-FFF2-40B4-BE49-F238E27FC236}">
+                <a16:creationId xmlns:a16="http://schemas.microsoft.com/office/drawing/2014/main" id="{DF797173-9F80-46E5-95F4-75F9E8F2FE99}"/>
+              </a:ext>
+            </a:extLst>
+          </p:cNvPr>
+          <p:cNvPicPr>
+            <a:picLocks noChangeAspect="1"/>
+          </p:cNvPicPr>
+          <p:nvPr/>
+        </p:nvPicPr>
+        <p:blipFill rotWithShape="1">
+          <a:blip r:embed="rId3">
+            <a:extLst>
+              <a:ext uri="{28A0092B-C50C-407E-A947-70E740481C1C}">
+                <a14:useLocalDpi xmlns:a14="http://schemas.microsoft.com/office/drawing/2010/main" val="0"/>
+              </a:ext>
+            </a:extLst>
+          </a:blip>
+          <a:srcRect l="13217" t="13493" r="10813" b="11184"/>
+          <a:stretch/>
+        </p:blipFill>
+        <p:spPr>
+          <a:xfrm>
+            <a:off x="8741595" y="3685472"/>
+            <a:ext cx="3273640" cy="2624114"/>
+          </a:xfrm>
+          <a:prstGeom prst="rect">
+            <a:avLst/>
+          </a:prstGeom>
+          <a:ln>
+            <a:solidFill>
+              <a:schemeClr val="tx1"/>
+            </a:solidFill>
+          </a:ln>
+        </p:spPr>
+      </p:pic>
+      <p:sp>
+        <p:nvSpPr>
+          <p:cNvPr id="7" name="TextBox 6">
+            <a:extLst>
+              <a:ext uri="{FF2B5EF4-FFF2-40B4-BE49-F238E27FC236}">
+                <a16:creationId xmlns:a16="http://schemas.microsoft.com/office/drawing/2014/main" id="{D281F67C-FCF4-42ED-9695-8D93237DF479}"/>
+              </a:ext>
+            </a:extLst>
+          </p:cNvPr>
+          <p:cNvSpPr txBox="1"/>
+          <p:nvPr/>
+        </p:nvSpPr>
+        <p:spPr>
+          <a:xfrm>
+            <a:off x="7925720" y="3685472"/>
+            <a:ext cx="717040" cy="306467"/>
+          </a:xfrm>
+          <a:prstGeom prst="roundRect">
+            <a:avLst/>
+          </a:prstGeom>
+          <a:solidFill>
+            <a:schemeClr val="accent1">
+              <a:lumMod val="20000"/>
+              <a:lumOff val="80000"/>
+            </a:schemeClr>
+          </a:solidFill>
+        </p:spPr>
+        <p:txBody>
+          <a:bodyPr wrap="square" rtlCol="0">
+            <a:spAutoFit/>
+          </a:bodyPr>
+          <a:lstStyle/>
+          <a:p>
+            <a:pPr algn="ctr"/>
+            <a:r>
+              <a:rPr lang="en-US" sz="1200" dirty="0"/>
+              <a:t>Greedy</a:t>
+            </a:r>
+            <a:endParaRPr lang="nl-NL" sz="1200" dirty="0"/>
           </a:p>
         </p:txBody>
       </p:sp>
     </p:spTree>
     <p:extLst>
       <p:ext uri="{BB962C8B-B14F-4D97-AF65-F5344CB8AC3E}">
-        <p14:creationId xmlns:p14="http://schemas.microsoft.com/office/powerpoint/2010/main" val="1837910022"/>
+        <p14:creationId xmlns:p14="http://schemas.microsoft.com/office/powerpoint/2010/main" val="257042857"/>
       </p:ext>
     </p:extLst>
   </p:cSld>
@@ -8079,7 +8007,7 @@
           <p:cNvPr id="2" name="Title 1">
             <a:extLst>
               <a:ext uri="{FF2B5EF4-FFF2-40B4-BE49-F238E27FC236}">
-                <a16:creationId xmlns:a16="http://schemas.microsoft.com/office/drawing/2014/main" id="{AF9BA533-B4A8-4E80-A624-474110CF900E}"/>
+                <a16:creationId xmlns:a16="http://schemas.microsoft.com/office/drawing/2014/main" id="{E2F85545-632C-4F7F-B3E1-2C5ECFC71565}"/>
               </a:ext>
             </a:extLst>
           </p:cNvPr>
@@ -8096,8 +8024,8 @@
           <a:lstStyle/>
           <a:p>
             <a:r>
-              <a:rPr lang="en-US" dirty="0" err="1"/>
-              <a:t>Algoritmen</a:t>
+              <a:rPr lang="en-US" dirty="0"/>
+              <a:t>Algorithms</a:t>
             </a:r>
             <a:endParaRPr lang="nl-NL" dirty="0"/>
           </a:p>
@@ -8108,7 +8036,7 @@
           <p:cNvPr id="3" name="Content Placeholder 2">
             <a:extLst>
               <a:ext uri="{FF2B5EF4-FFF2-40B4-BE49-F238E27FC236}">
-                <a16:creationId xmlns:a16="http://schemas.microsoft.com/office/drawing/2014/main" id="{E08B21F4-A9E3-4C9B-9ABC-27EE8FCFFAF0}"/>
+                <a16:creationId xmlns:a16="http://schemas.microsoft.com/office/drawing/2014/main" id="{6784A8DB-0F9B-4B3A-9476-B80FEA6B2C74}"/>
               </a:ext>
             </a:extLst>
           </p:cNvPr>
@@ -8119,86 +8047,14 @@
             <p:ph idx="1"/>
           </p:nvPr>
         </p:nvSpPr>
-        <p:spPr>
-          <a:xfrm>
-            <a:off x="383532" y="1602772"/>
-            <a:ext cx="5279199" cy="4506177"/>
-          </a:xfrm>
-        </p:spPr>
-        <p:txBody>
-          <a:bodyPr>
-            <a:normAutofit fontScale="92500" lnSpcReduction="10000"/>
-          </a:bodyPr>
+        <p:spPr/>
+        <p:txBody>
+          <a:bodyPr/>
           <a:lstStyle/>
           <a:p>
             <a:r>
               <a:rPr lang="en-US" dirty="0"/>
-              <a:t>Step-Down</a:t>
-            </a:r>
-          </a:p>
-          <a:p>
-            <a:pPr lvl="1"/>
-            <a:r>
-              <a:rPr lang="en-US" dirty="0" err="1"/>
-              <a:t>Begint</a:t>
-            </a:r>
-            <a:r>
-              <a:rPr lang="en-US" dirty="0"/>
-              <a:t> </a:t>
-            </a:r>
-            <a:r>
-              <a:rPr lang="en-US" dirty="0" err="1"/>
-              <a:t>gefixeerd</a:t>
-            </a:r>
-            <a:endParaRPr lang="en-US" dirty="0"/>
-          </a:p>
-          <a:p>
-            <a:pPr lvl="1"/>
-            <a:r>
-              <a:rPr lang="en-US" dirty="0" err="1"/>
-              <a:t>Corrigeerd</a:t>
-            </a:r>
-            <a:r>
-              <a:rPr lang="en-US" dirty="0"/>
-              <a:t> </a:t>
-            </a:r>
-            <a:r>
-              <a:rPr lang="en-US" dirty="0" err="1"/>
-              <a:t>alle</a:t>
-            </a:r>
-            <a:r>
-              <a:rPr lang="en-US" dirty="0"/>
-              <a:t> overladen </a:t>
-            </a:r>
-            <a:r>
-              <a:rPr lang="en-US" dirty="0" err="1"/>
-              <a:t>batterijen</a:t>
-            </a:r>
-            <a:endParaRPr lang="en-US" dirty="0"/>
-          </a:p>
-          <a:p>
-            <a:r>
-              <a:rPr lang="en-US" dirty="0"/>
-              <a:t>Greedy</a:t>
-            </a:r>
-          </a:p>
-          <a:p>
-            <a:pPr lvl="1"/>
-            <a:r>
-              <a:rPr lang="en-US" dirty="0"/>
-              <a:t>Random </a:t>
-            </a:r>
-            <a:r>
-              <a:rPr lang="en-US" dirty="0" err="1"/>
-              <a:t>volgorde</a:t>
-            </a:r>
-            <a:r>
-              <a:rPr lang="en-US" dirty="0"/>
-              <a:t> van </a:t>
-            </a:r>
-            <a:r>
-              <a:rPr lang="en-US" dirty="0" err="1"/>
-              <a:t>huizen</a:t>
+              <a:t>Hill Climber</a:t>
             </a:r>
             <a:endParaRPr lang="en-US" dirty="0">
               <a:sym typeface="Wingdings" panose="05000000000000000000" pitchFamily="2" charset="2"/>
@@ -8207,82 +8063,9 @@
           <a:p>
             <a:pPr lvl="1"/>
             <a:r>
-              <a:rPr lang="en-US" dirty="0" err="1"/>
-              <a:t>Verbind</a:t>
-            </a:r>
-            <a:r>
               <a:rPr lang="en-US" dirty="0"/>
-              <a:t> met </a:t>
-            </a:r>
-            <a:r>
-              <a:rPr lang="en-US" dirty="0" err="1"/>
-              <a:t>dichstbijzijnde</a:t>
-            </a:r>
-            <a:r>
-              <a:rPr lang="en-US" dirty="0"/>
-              <a:t> </a:t>
-            </a:r>
-            <a:r>
-              <a:rPr lang="en-US" dirty="0" err="1"/>
-              <a:t>batterij</a:t>
-            </a:r>
-            <a:r>
-              <a:rPr lang="en-US" dirty="0"/>
-              <a:t>, </a:t>
-            </a:r>
-          </a:p>
-          <a:p>
-            <a:pPr lvl="1"/>
-            <a:r>
-              <a:rPr lang="en-US" dirty="0" err="1"/>
-              <a:t>als</a:t>
-            </a:r>
-            <a:r>
-              <a:rPr lang="en-US" dirty="0"/>
-              <a:t> vol </a:t>
-            </a:r>
-            <a:r>
-              <a:rPr lang="en-US" dirty="0" err="1"/>
-              <a:t>volgende</a:t>
-            </a:r>
-            <a:r>
-              <a:rPr lang="en-US" dirty="0"/>
-              <a:t> </a:t>
-            </a:r>
-            <a:r>
-              <a:rPr lang="en-US" dirty="0" err="1"/>
-              <a:t>batterij</a:t>
-            </a:r>
-            <a:endParaRPr lang="en-US" dirty="0"/>
-          </a:p>
-          <a:p>
-            <a:r>
-              <a:rPr lang="en-US" dirty="0"/>
-              <a:t>Hill Climber</a:t>
-            </a:r>
-            <a:endParaRPr lang="en-US" dirty="0">
-              <a:sym typeface="Wingdings" panose="05000000000000000000" pitchFamily="2" charset="2"/>
-            </a:endParaRPr>
-          </a:p>
-          <a:p>
-            <a:pPr lvl="1"/>
-            <a:r>
-              <a:rPr lang="en-US" dirty="0"/>
-              <a:t>Random set-up </a:t>
-            </a:r>
-            <a:r>
-              <a:rPr lang="en-US" dirty="0" err="1"/>
-              <a:t>binnen</a:t>
-            </a:r>
-            <a:r>
-              <a:rPr lang="en-US" dirty="0"/>
-              <a:t> de </a:t>
-            </a:r>
-            <a:r>
-              <a:rPr lang="en-US" dirty="0" err="1"/>
-              <a:t>constricties</a:t>
-            </a:r>
-            <a:endParaRPr lang="en-US" dirty="0"/>
+              <a:t>Random configuration within constraints</a:t>
+            </a:r>
           </a:p>
           <a:p>
             <a:pPr lvl="1"/>
@@ -8290,29 +8073,17 @@
               <a:rPr lang="en-US" dirty="0">
                 <a:sym typeface="Wingdings" panose="05000000000000000000" pitchFamily="2" charset="2"/>
               </a:rPr>
-              <a:t>Elke huis-huis </a:t>
-            </a:r>
-            <a:r>
-              <a:rPr lang="en-US" dirty="0" err="1">
-                <a:sym typeface="Wingdings" panose="05000000000000000000" pitchFamily="2" charset="2"/>
-              </a:rPr>
-              <a:t>combinatie</a:t>
-            </a:r>
+              <a:t>Switches random sequences of houses</a:t>
+            </a:r>
+          </a:p>
+          <a:p>
+            <a:pPr lvl="2"/>
             <a:r>
               <a:rPr lang="en-US" dirty="0">
                 <a:sym typeface="Wingdings" panose="05000000000000000000" pitchFamily="2" charset="2"/>
               </a:rPr>
-              <a:t> </a:t>
-            </a:r>
-            <a:r>
-              <a:rPr lang="en-US" dirty="0" err="1">
-                <a:sym typeface="Wingdings" panose="05000000000000000000" pitchFamily="2" charset="2"/>
-              </a:rPr>
-              <a:t>langs</a:t>
-            </a:r>
-            <a:endParaRPr lang="en-US" dirty="0">
-              <a:sym typeface="Wingdings" panose="05000000000000000000" pitchFamily="2" charset="2"/>
-            </a:endParaRPr>
+              <a:t>Until no further improvements</a:t>
+            </a:r>
           </a:p>
           <a:p>
             <a:r>
@@ -8325,136 +8096,41 @@
           <a:p>
             <a:pPr lvl="1"/>
             <a:r>
-              <a:rPr lang="en-US" dirty="0" err="1">
-                <a:sym typeface="Wingdings" panose="05000000000000000000" pitchFamily="2" charset="2"/>
-              </a:rPr>
-              <a:t>Probeert</a:t>
-            </a:r>
-            <a:r>
               <a:rPr lang="en-US" dirty="0">
                 <a:sym typeface="Wingdings" panose="05000000000000000000" pitchFamily="2" charset="2"/>
               </a:rPr>
-              <a:t> </a:t>
-            </a:r>
-            <a:r>
-              <a:rPr lang="en-US" dirty="0" err="1">
-                <a:sym typeface="Wingdings" panose="05000000000000000000" pitchFamily="2" charset="2"/>
-              </a:rPr>
-              <a:t>elke</a:t>
-            </a:r>
+              <a:t>Tries every configuration</a:t>
+            </a:r>
+          </a:p>
+          <a:p>
+            <a:pPr lvl="1"/>
             <a:r>
               <a:rPr lang="en-US" dirty="0">
                 <a:sym typeface="Wingdings" panose="05000000000000000000" pitchFamily="2" charset="2"/>
               </a:rPr>
-              <a:t> </a:t>
-            </a:r>
-            <a:r>
-              <a:rPr lang="en-US" dirty="0" err="1">
-                <a:sym typeface="Wingdings" panose="05000000000000000000" pitchFamily="2" charset="2"/>
-              </a:rPr>
-              <a:t>configuratie</a:t>
-            </a:r>
+              <a:t>Breaks a branch if it breaks certain restrictions</a:t>
+            </a:r>
+          </a:p>
+          <a:p>
+            <a:pPr lvl="1"/>
             <a:r>
               <a:rPr lang="en-US" dirty="0">
                 <a:sym typeface="Wingdings" panose="05000000000000000000" pitchFamily="2" charset="2"/>
               </a:rPr>
-              <a:t>, maar </a:t>
-            </a:r>
-            <a:r>
-              <a:rPr lang="en-US" dirty="0" err="1">
-                <a:sym typeface="Wingdings" panose="05000000000000000000" pitchFamily="2" charset="2"/>
-              </a:rPr>
-              <a:t>breekt</a:t>
-            </a:r>
-            <a:r>
-              <a:rPr lang="en-US" dirty="0">
-                <a:sym typeface="Wingdings" panose="05000000000000000000" pitchFamily="2" charset="2"/>
-              </a:rPr>
-              <a:t> de</a:t>
-            </a:r>
-            <a:br>
-              <a:rPr lang="en-US" dirty="0">
-                <a:sym typeface="Wingdings" panose="05000000000000000000" pitchFamily="2" charset="2"/>
-              </a:rPr>
-            </a:br>
-            <a:r>
-              <a:rPr lang="en-US" dirty="0" err="1">
-                <a:sym typeface="Wingdings" panose="05000000000000000000" pitchFamily="2" charset="2"/>
-              </a:rPr>
-              <a:t>tak</a:t>
-            </a:r>
-            <a:r>
-              <a:rPr lang="en-US" dirty="0">
-                <a:sym typeface="Wingdings" panose="05000000000000000000" pitchFamily="2" charset="2"/>
-              </a:rPr>
-              <a:t> </a:t>
-            </a:r>
-            <a:r>
-              <a:rPr lang="en-US" dirty="0" err="1">
-                <a:sym typeface="Wingdings" panose="05000000000000000000" pitchFamily="2" charset="2"/>
-              </a:rPr>
-              <a:t>af</a:t>
-            </a:r>
-            <a:r>
-              <a:rPr lang="en-US" dirty="0">
-                <a:sym typeface="Wingdings" panose="05000000000000000000" pitchFamily="2" charset="2"/>
-              </a:rPr>
-              <a:t> </a:t>
-            </a:r>
-            <a:r>
-              <a:rPr lang="en-US" dirty="0" err="1">
-                <a:sym typeface="Wingdings" panose="05000000000000000000" pitchFamily="2" charset="2"/>
-              </a:rPr>
-              <a:t>zodra</a:t>
-            </a:r>
-            <a:r>
-              <a:rPr lang="en-US" dirty="0">
-                <a:sym typeface="Wingdings" panose="05000000000000000000" pitchFamily="2" charset="2"/>
-              </a:rPr>
-              <a:t> het </a:t>
-            </a:r>
-            <a:r>
-              <a:rPr lang="en-US" dirty="0" err="1">
-                <a:sym typeface="Wingdings" panose="05000000000000000000" pitchFamily="2" charset="2"/>
-              </a:rPr>
-              <a:t>bepaalde</a:t>
-            </a:r>
-            <a:r>
-              <a:rPr lang="en-US" dirty="0">
-                <a:sym typeface="Wingdings" panose="05000000000000000000" pitchFamily="2" charset="2"/>
-              </a:rPr>
-              <a:t> </a:t>
-            </a:r>
-            <a:r>
-              <a:rPr lang="en-US" dirty="0" err="1">
-                <a:sym typeface="Wingdings" panose="05000000000000000000" pitchFamily="2" charset="2"/>
-              </a:rPr>
-              <a:t>restricties</a:t>
-            </a:r>
-            <a:r>
-              <a:rPr lang="en-US" dirty="0">
-                <a:sym typeface="Wingdings" panose="05000000000000000000" pitchFamily="2" charset="2"/>
-              </a:rPr>
-              <a:t> </a:t>
-            </a:r>
-            <a:r>
-              <a:rPr lang="en-US" dirty="0" err="1">
-                <a:sym typeface="Wingdings" panose="05000000000000000000" pitchFamily="2" charset="2"/>
-              </a:rPr>
-              <a:t>breekt</a:t>
-            </a:r>
-            <a:endParaRPr lang="en-US" dirty="0">
-              <a:sym typeface="Wingdings" panose="05000000000000000000" pitchFamily="2" charset="2"/>
-            </a:endParaRPr>
+              <a:t>(no data yet)</a:t>
+            </a:r>
+          </a:p>
+          <a:p>
+            <a:endParaRPr lang="nl-NL" dirty="0"/>
           </a:p>
         </p:txBody>
       </p:sp>
       <p:pic>
         <p:nvPicPr>
-          <p:cNvPr id="7" name="Picture 6">
+          <p:cNvPr id="4" name="Picture 3">
             <a:extLst>
               <a:ext uri="{FF2B5EF4-FFF2-40B4-BE49-F238E27FC236}">
-                <a16:creationId xmlns:a16="http://schemas.microsoft.com/office/drawing/2014/main" id="{8D787DF6-ED27-458A-AA5D-1A1864210FB1}"/>
+                <a16:creationId xmlns:a16="http://schemas.microsoft.com/office/drawing/2014/main" id="{CEF09C83-75D0-43B6-BFD7-0924EEEC21F4}"/>
               </a:ext>
             </a:extLst>
           </p:cNvPr>
@@ -8464,177 +8140,13 @@
           <p:nvPr/>
         </p:nvPicPr>
         <p:blipFill rotWithShape="1">
-          <a:blip r:embed="rId2">
-            <a:extLst>
-              <a:ext uri="{28A0092B-C50C-407E-A947-70E740481C1C}">
-                <a14:useLocalDpi xmlns:a14="http://schemas.microsoft.com/office/drawing/2010/main" val="0"/>
-              </a:ext>
-            </a:extLst>
-          </a:blip>
-          <a:srcRect l="14121" t="13614" r="11045" b="12384"/>
-          <a:stretch/>
-        </p:blipFill>
-        <p:spPr>
-          <a:xfrm>
-            <a:off x="5553949" y="978932"/>
-            <a:ext cx="3273641" cy="2427896"/>
-          </a:xfrm>
-          <a:prstGeom prst="rect">
-            <a:avLst/>
-          </a:prstGeom>
-          <a:ln>
-            <a:solidFill>
-              <a:schemeClr val="tx1"/>
-            </a:solidFill>
-          </a:ln>
-        </p:spPr>
-      </p:pic>
-      <p:sp>
-        <p:nvSpPr>
-          <p:cNvPr id="8" name="TextBox 7">
-            <a:extLst>
-              <a:ext uri="{FF2B5EF4-FFF2-40B4-BE49-F238E27FC236}">
-                <a16:creationId xmlns:a16="http://schemas.microsoft.com/office/drawing/2014/main" id="{EFB00954-5216-452C-8354-B4EFEE6F3F7D}"/>
-              </a:ext>
-            </a:extLst>
-          </p:cNvPr>
-          <p:cNvSpPr txBox="1"/>
-          <p:nvPr/>
-        </p:nvSpPr>
-        <p:spPr>
-          <a:xfrm>
-            <a:off x="6530990" y="344699"/>
-            <a:ext cx="1319557" cy="408623"/>
-          </a:xfrm>
-          <a:prstGeom prst="roundRect">
-            <a:avLst/>
-          </a:prstGeom>
-          <a:solidFill>
-            <a:schemeClr val="accent1">
-              <a:lumMod val="20000"/>
-              <a:lumOff val="80000"/>
-            </a:schemeClr>
-          </a:solidFill>
-        </p:spPr>
-        <p:txBody>
-          <a:bodyPr wrap="square" rtlCol="0">
-            <a:spAutoFit/>
-          </a:bodyPr>
-          <a:lstStyle/>
-          <a:p>
-            <a:pPr algn="ctr"/>
-            <a:r>
-              <a:rPr lang="en-US" dirty="0"/>
-              <a:t>Step-Down</a:t>
-            </a:r>
-            <a:endParaRPr lang="nl-NL" dirty="0"/>
-          </a:p>
-        </p:txBody>
-      </p:sp>
-      <p:pic>
-        <p:nvPicPr>
-          <p:cNvPr id="9" name="Picture 8">
-            <a:extLst>
-              <a:ext uri="{FF2B5EF4-FFF2-40B4-BE49-F238E27FC236}">
-                <a16:creationId xmlns:a16="http://schemas.microsoft.com/office/drawing/2014/main" id="{8483FEF0-49EB-42BF-9919-015C1E4A24DD}"/>
-              </a:ext>
-            </a:extLst>
-          </p:cNvPr>
-          <p:cNvPicPr>
-            <a:picLocks noChangeAspect="1"/>
-          </p:cNvPicPr>
-          <p:nvPr/>
-        </p:nvPicPr>
-        <p:blipFill rotWithShape="1">
-          <a:blip r:embed="rId3">
-            <a:extLst>
-              <a:ext uri="{28A0092B-C50C-407E-A947-70E740481C1C}">
-                <a14:useLocalDpi xmlns:a14="http://schemas.microsoft.com/office/drawing/2010/main" val="0"/>
-              </a:ext>
-            </a:extLst>
-          </a:blip>
-          <a:srcRect l="13217" t="13493" r="10813" b="11184"/>
-          <a:stretch/>
-        </p:blipFill>
-        <p:spPr>
-          <a:xfrm>
-            <a:off x="8986383" y="1001104"/>
-            <a:ext cx="3028854" cy="2427896"/>
-          </a:xfrm>
-          <a:prstGeom prst="rect">
-            <a:avLst/>
-          </a:prstGeom>
-          <a:ln>
-            <a:solidFill>
-              <a:schemeClr val="tx1"/>
-            </a:solidFill>
-          </a:ln>
-        </p:spPr>
-      </p:pic>
-      <p:sp>
-        <p:nvSpPr>
-          <p:cNvPr id="10" name="TextBox 9">
-            <a:extLst>
-              <a:ext uri="{FF2B5EF4-FFF2-40B4-BE49-F238E27FC236}">
-                <a16:creationId xmlns:a16="http://schemas.microsoft.com/office/drawing/2014/main" id="{5BAB35AD-1C05-4E5E-871E-372C63B69AAB}"/>
-              </a:ext>
-            </a:extLst>
-          </p:cNvPr>
-          <p:cNvSpPr txBox="1"/>
-          <p:nvPr/>
-        </p:nvSpPr>
-        <p:spPr>
-          <a:xfrm>
-            <a:off x="9986037" y="344699"/>
-            <a:ext cx="1029546" cy="408623"/>
-          </a:xfrm>
-          <a:prstGeom prst="roundRect">
-            <a:avLst/>
-          </a:prstGeom>
-          <a:solidFill>
-            <a:schemeClr val="accent1">
-              <a:lumMod val="20000"/>
-              <a:lumOff val="80000"/>
-            </a:schemeClr>
-          </a:solidFill>
-        </p:spPr>
-        <p:txBody>
-          <a:bodyPr wrap="square" rtlCol="0">
-            <a:spAutoFit/>
-          </a:bodyPr>
-          <a:lstStyle/>
-          <a:p>
-            <a:pPr algn="ctr"/>
-            <a:r>
-              <a:rPr lang="en-US" dirty="0"/>
-              <a:t>Greedy</a:t>
-            </a:r>
-            <a:endParaRPr lang="nl-NL" dirty="0"/>
-          </a:p>
-        </p:txBody>
-      </p:sp>
-      <p:pic>
-        <p:nvPicPr>
-          <p:cNvPr id="11" name="Picture 10">
-            <a:extLst>
-              <a:ext uri="{FF2B5EF4-FFF2-40B4-BE49-F238E27FC236}">
-                <a16:creationId xmlns:a16="http://schemas.microsoft.com/office/drawing/2014/main" id="{4348C60E-8CB8-47D6-9DB2-F069D0361C23}"/>
-              </a:ext>
-            </a:extLst>
-          </p:cNvPr>
-          <p:cNvPicPr>
-            <a:picLocks noChangeAspect="1"/>
-          </p:cNvPicPr>
-          <p:nvPr/>
-        </p:nvPicPr>
-        <p:blipFill rotWithShape="1">
-          <a:blip r:embed="rId4"/>
+          <a:blip r:embed="rId2"/>
           <a:srcRect l="14584" t="18267" r="39916" b="17332"/>
           <a:stretch/>
         </p:blipFill>
         <p:spPr>
           <a:xfrm>
-            <a:off x="5553949" y="4008496"/>
+            <a:off x="8683229" y="918501"/>
             <a:ext cx="3273641" cy="2606310"/>
           </a:xfrm>
           <a:prstGeom prst="rect">
@@ -8649,10 +8161,10 @@
       </p:pic>
       <p:sp>
         <p:nvSpPr>
-          <p:cNvPr id="12" name="TextBox 11">
+          <p:cNvPr id="5" name="TextBox 4">
             <a:extLst>
               <a:ext uri="{FF2B5EF4-FFF2-40B4-BE49-F238E27FC236}">
-                <a16:creationId xmlns:a16="http://schemas.microsoft.com/office/drawing/2014/main" id="{9BFAAC7D-FE57-4111-8C51-9C8DCA85CFE5}"/>
+                <a16:creationId xmlns:a16="http://schemas.microsoft.com/office/drawing/2014/main" id="{B0ABA658-EE68-443B-A442-7B97C337DB64}"/>
               </a:ext>
             </a:extLst>
           </p:cNvPr>
@@ -8661,7 +8173,7 @@
         </p:nvSpPr>
         <p:spPr>
           <a:xfrm>
-            <a:off x="6374766" y="3524811"/>
+            <a:off x="6821806" y="918501"/>
             <a:ext cx="1632006" cy="408623"/>
           </a:xfrm>
           <a:prstGeom prst="roundRect">
@@ -8691,10 +8203,10 @@
       </p:sp>
       <p:sp>
         <p:nvSpPr>
-          <p:cNvPr id="13" name="TextBox 12">
+          <p:cNvPr id="6" name="TextBox 5">
             <a:extLst>
               <a:ext uri="{FF2B5EF4-FFF2-40B4-BE49-F238E27FC236}">
-                <a16:creationId xmlns:a16="http://schemas.microsoft.com/office/drawing/2014/main" id="{544F28E3-354B-418E-AFB2-AC7ADE30BFB5}"/>
+                <a16:creationId xmlns:a16="http://schemas.microsoft.com/office/drawing/2014/main" id="{55AAEF30-60B5-47D0-8A6D-F70B8BAB80C9}"/>
               </a:ext>
             </a:extLst>
           </p:cNvPr>
@@ -8703,7 +8215,7 @@
         </p:nvSpPr>
         <p:spPr>
           <a:xfrm>
-            <a:off x="9508777" y="3530294"/>
+            <a:off x="6653817" y="4292294"/>
             <a:ext cx="2161837" cy="408623"/>
           </a:xfrm>
           <a:prstGeom prst="roundRect">
@@ -8733,10 +8245,10 @@
       </p:sp>
       <p:pic>
         <p:nvPicPr>
-          <p:cNvPr id="14" name="Picture 13">
+          <p:cNvPr id="7" name="Picture 6">
             <a:extLst>
               <a:ext uri="{FF2B5EF4-FFF2-40B4-BE49-F238E27FC236}">
-                <a16:creationId xmlns:a16="http://schemas.microsoft.com/office/drawing/2014/main" id="{12148789-BB1A-4226-B4B6-3DF039062281}"/>
+                <a16:creationId xmlns:a16="http://schemas.microsoft.com/office/drawing/2014/main" id="{57F8C597-A145-4A51-BE54-06DAD70B4B23}"/>
               </a:ext>
             </a:extLst>
           </p:cNvPr>
@@ -8746,7 +8258,7 @@
           <p:nvPr/>
         </p:nvPicPr>
         <p:blipFill rotWithShape="1">
-          <a:blip r:embed="rId5"/>
+          <a:blip r:embed="rId3"/>
           <a:srcRect l="6875" t="10222" r="26417" b="7292"/>
           <a:stretch/>
         </p:blipFill>
@@ -8768,7 +8280,7 @@
     </p:spTree>
     <p:extLst>
       <p:ext uri="{BB962C8B-B14F-4D97-AF65-F5344CB8AC3E}">
-        <p14:creationId xmlns:p14="http://schemas.microsoft.com/office/powerpoint/2010/main" val="1157894273"/>
+        <p14:creationId xmlns:p14="http://schemas.microsoft.com/office/powerpoint/2010/main" val="3024342502"/>
       </p:ext>
     </p:extLst>
   </p:cSld>
@@ -9625,43 +9137,6 @@
           <a:chExt cx="0" cy="0"/>
         </a:xfrm>
       </p:grpSpPr>
-      <p:pic>
-        <p:nvPicPr>
-          <p:cNvPr id="8" name="Content Placeholder 7">
-            <a:extLst>
-              <a:ext uri="{FF2B5EF4-FFF2-40B4-BE49-F238E27FC236}">
-                <a16:creationId xmlns:a16="http://schemas.microsoft.com/office/drawing/2014/main" id="{252062C0-CD4A-4739-AFE3-978A264E2DC2}"/>
-              </a:ext>
-            </a:extLst>
-          </p:cNvPr>
-          <p:cNvPicPr>
-            <a:picLocks noGrp="1" noChangeAspect="1"/>
-          </p:cNvPicPr>
-          <p:nvPr>
-            <p:ph idx="1"/>
-          </p:nvPr>
-        </p:nvPicPr>
-        <p:blipFill>
-          <a:blip r:embed="rId2"/>
-          <a:stretch>
-            <a:fillRect/>
-          </a:stretch>
-        </p:blipFill>
-        <p:spPr>
-          <a:xfrm>
-            <a:off x="4098561" y="1180356"/>
-            <a:ext cx="7785221" cy="4497288"/>
-          </a:xfrm>
-          <a:prstGeom prst="rect">
-            <a:avLst/>
-          </a:prstGeom>
-          <a:ln>
-            <a:solidFill>
-              <a:schemeClr val="tx1"/>
-            </a:solidFill>
-          </a:ln>
-        </p:spPr>
-      </p:pic>
       <p:sp>
         <p:nvSpPr>
           <p:cNvPr id="6" name="Title 1">
@@ -9763,7 +9238,7 @@
           </a:lstStyle>
           <a:p>
             <a:r>
-              <a:rPr lang="en-US"/>
+              <a:rPr lang="en-US" dirty="0"/>
               <a:t>Battery movement</a:t>
             </a:r>
             <a:endParaRPr lang="nl-NL" dirty="0"/>
@@ -10027,32 +9502,75 @@
           <a:p>
             <a:r>
               <a:rPr lang="en-US" dirty="0"/>
-              <a:t>Every variable is lowers down after reallocation</a:t>
+              <a:t>Battery set-ups</a:t>
             </a:r>
           </a:p>
           <a:p>
             <a:pPr lvl="1"/>
             <a:r>
               <a:rPr lang="en-US" dirty="0"/>
-              <a:t>Lower bound and Algorithm</a:t>
-            </a:r>
-          </a:p>
-          <a:p>
-            <a:pPr lvl="2"/>
+              <a:t>Fixed location</a:t>
+            </a:r>
+          </a:p>
+          <a:p>
+            <a:pPr lvl="1"/>
             <a:r>
               <a:rPr lang="en-US" dirty="0"/>
-              <a:t>~55 000 </a:t>
-            </a:r>
-            <a:r>
-              <a:rPr lang="en-US" dirty="0">
-                <a:sym typeface="Wingdings" panose="05000000000000000000" pitchFamily="2" charset="2"/>
-              </a:rPr>
-              <a:t> 40 000</a:t>
-            </a:r>
-            <a:endParaRPr lang="en-US" dirty="0"/>
-          </a:p>
-        </p:txBody>
-      </p:sp>
+              <a:t>Reallocated locations</a:t>
+            </a:r>
+          </a:p>
+          <a:p>
+            <a:pPr lvl="1"/>
+            <a:r>
+              <a:rPr lang="en-US" dirty="0"/>
+              <a:t>Reconfigured battery types</a:t>
+            </a:r>
+          </a:p>
+          <a:p>
+            <a:r>
+              <a:rPr lang="en-US" dirty="0"/>
+              <a:t>Every variable is lowered after relocation</a:t>
+            </a:r>
+          </a:p>
+          <a:p>
+            <a:pPr lvl="1"/>
+            <a:r>
+              <a:rPr lang="en-US" dirty="0"/>
+              <a:t>Further lowered when reconfigured</a:t>
+            </a:r>
+          </a:p>
+        </p:txBody>
+      </p:sp>
+      <p:pic>
+        <p:nvPicPr>
+          <p:cNvPr id="5" name="Picture 4">
+            <a:extLst>
+              <a:ext uri="{FF2B5EF4-FFF2-40B4-BE49-F238E27FC236}">
+                <a16:creationId xmlns:a16="http://schemas.microsoft.com/office/drawing/2014/main" id="{D57180C2-3997-416A-A4B0-FC962F4B4FB1}"/>
+              </a:ext>
+            </a:extLst>
+          </p:cNvPr>
+          <p:cNvPicPr>
+            <a:picLocks noChangeAspect="1"/>
+          </p:cNvPicPr>
+          <p:nvPr/>
+        </p:nvPicPr>
+        <p:blipFill>
+          <a:blip r:embed="rId2"/>
+          <a:stretch>
+            <a:fillRect/>
+          </a:stretch>
+        </p:blipFill>
+        <p:spPr>
+          <a:xfrm>
+            <a:off x="4844807" y="579245"/>
+            <a:ext cx="7038975" cy="5029200"/>
+          </a:xfrm>
+          <a:prstGeom prst="rect">
+            <a:avLst/>
+          </a:prstGeom>
+        </p:spPr>
+      </p:pic>
     </p:spTree>
     <p:extLst>
       <p:ext uri="{BB962C8B-B14F-4D97-AF65-F5344CB8AC3E}">
